--- a/RWorkshopPart3-RegressionAndGraphics.pptx
+++ b/RWorkshopPart3-RegressionAndGraphics.pptx
@@ -3136,11 +3136,7 @@
           <a:p>
             <a:r>
               <a:rPr lang="en-US" dirty="0" smtClean="0"/>
-              <a:t>R Workshop, Part </a:t>
-            </a:r>
-            <a:r>
-              <a:rPr lang="en-US" dirty="0" smtClean="0"/>
-              <a:t>3</a:t>
+              <a:t>R Workshop, Part 3</a:t>
             </a:r>
             <a:br>
               <a:rPr lang="en-US" dirty="0" smtClean="0"/>
@@ -3186,7 +3182,6 @@
               <a:rPr lang="en-US" dirty="0" smtClean="0"/>
               <a:t>SER 2017</a:t>
             </a:r>
-            <a:endParaRPr lang="en-US" dirty="0" smtClean="0"/>
           </a:p>
           <a:p>
             <a:endParaRPr lang="en-US" dirty="0"/>
@@ -3275,15 +3270,7 @@
           <a:p>
             <a:r>
               <a:rPr lang="en-US" dirty="0" smtClean="0"/>
-              <a:t>Using the Duncan </a:t>
-            </a:r>
-            <a:r>
-              <a:rPr lang="en-US" dirty="0" smtClean="0"/>
-              <a:t>dataset and regression diagnostics, </a:t>
-            </a:r>
-            <a:r>
-              <a:rPr lang="en-US" dirty="0" smtClean="0"/>
-              <a:t>find the occupation that has the largest prestige bump not predicted by education  (i.e. has most positive residual)</a:t>
+              <a:t>Using the Duncan dataset and regression diagnostics, find the occupation that has the largest prestige bump not predicted by education  (i.e. has most positive residual)</a:t>
             </a:r>
             <a:endParaRPr lang="en-US" dirty="0"/>
           </a:p>
@@ -3646,7 +3633,6 @@
               <a:rPr lang="en-US" altLang="en-US" dirty="0" smtClean="0"/>
               <a:t>', which is increasingly popular</a:t>
             </a:r>
-            <a:endParaRPr lang="en-US" altLang="en-US" dirty="0" smtClean="0"/>
           </a:p>
           <a:p>
             <a:pPr eaLnBrk="1" hangingPunct="1"/>
@@ -3656,11 +3642,7 @@
             <a:pPr eaLnBrk="1" hangingPunct="1"/>
             <a:r>
               <a:rPr lang="en-US" altLang="en-US" dirty="0" smtClean="0"/>
-              <a:t>We'll cover base graphics </a:t>
-            </a:r>
-            <a:r>
-              <a:rPr lang="en-US" altLang="en-US" dirty="0" smtClean="0"/>
-              <a:t>first, then </a:t>
+              <a:t>We'll cover base graphics first, then </a:t>
             </a:r>
             <a:r>
               <a:rPr lang="en-US" altLang="en-US" dirty="0" err="1" smtClean="0"/>
@@ -3754,7 +3736,6 @@
               <a:rPr lang="en-US" altLang="en-US" dirty="0" smtClean="0"/>
               <a:t>To plot any object, just wrap it in plot:</a:t>
             </a:r>
-            <a:endParaRPr lang="en-US" altLang="en-US" dirty="0" smtClean="0"/>
           </a:p>
           <a:p>
             <a:pPr lvl="1" eaLnBrk="1" hangingPunct="1"/>
@@ -3785,7 +3766,6 @@
               <a:rPr lang="en-US" altLang="en-US" dirty="0" smtClean="0"/>
               <a:t>)</a:t>
             </a:r>
-            <a:endParaRPr lang="en-US" altLang="en-US" dirty="0" smtClean="0"/>
           </a:p>
           <a:p>
             <a:pPr lvl="1" eaLnBrk="1" hangingPunct="1"/>
@@ -3797,7 +3777,6 @@
               <a:rPr lang="en-US" altLang="en-US" dirty="0" smtClean="0"/>
               <a:t>Intuition check: Why were these different?</a:t>
             </a:r>
-            <a:endParaRPr lang="en-US" altLang="en-US" dirty="0" smtClean="0"/>
           </a:p>
           <a:p>
             <a:pPr lvl="1" eaLnBrk="1" hangingPunct="1"/>
@@ -3887,15 +3866,7 @@
             <a:pPr eaLnBrk="1" hangingPunct="1"/>
             <a:r>
               <a:rPr lang="en-US" altLang="en-US" dirty="0" smtClean="0"/>
-              <a:t>But w</a:t>
-            </a:r>
-            <a:r>
-              <a:rPr lang="en-US" altLang="en-US" dirty="0" smtClean="0"/>
-              <a:t>ouldn’t </a:t>
-            </a:r>
-            <a:r>
-              <a:rPr lang="en-US" altLang="en-US" dirty="0" smtClean="0"/>
-              <a:t>a histogram be more informative?</a:t>
+              <a:t>But wouldn’t a histogram be more informative?</a:t>
             </a:r>
           </a:p>
           <a:p>
@@ -4046,15 +4017,7 @@
             </a:pPr>
             <a:r>
               <a:rPr lang="en-US" dirty="0" smtClean="0"/>
-              <a:t>A </a:t>
-            </a:r>
-            <a:r>
-              <a:rPr lang="en-US" dirty="0" smtClean="0"/>
-              <a:t>scatterplot comparing income (x-axis) to prestige (y-axis</a:t>
-            </a:r>
-            <a:r>
-              <a:rPr lang="en-US" dirty="0" smtClean="0"/>
-              <a:t>):</a:t>
+              <a:t>A scatterplot comparing income (x-axis) to prestige (y-axis):</a:t>
             </a:r>
             <a:endParaRPr lang="en-US" dirty="0"/>
           </a:p>
@@ -4184,7 +4147,6 @@
               <a:rPr lang="en-US" dirty="0" smtClean="0"/>
               <a:t>")</a:t>
             </a:r>
-            <a:endParaRPr lang="en-US" dirty="0" smtClean="0"/>
           </a:p>
           <a:p>
             <a:pPr marL="0" indent="0" eaLnBrk="1" fontAlgn="auto" hangingPunct="1">
@@ -4461,7 +4423,6 @@
               <a:rPr lang="en-US" altLang="en-US" dirty="0" smtClean="0"/>
               <a:t>Fiddling</a:t>
             </a:r>
-            <a:endParaRPr lang="en-US" altLang="en-US" dirty="0" smtClean="0"/>
           </a:p>
         </p:txBody>
       </p:sp>
@@ -4516,11 +4477,7 @@
             <a:pPr eaLnBrk="1" hangingPunct="1"/>
             <a:r>
               <a:rPr lang="en-US" altLang="en-US" dirty="0" smtClean="0"/>
-              <a:t>Why doesn't income have </a:t>
-            </a:r>
-            <a:r>
-              <a:rPr lang="en-US" altLang="en-US" dirty="0" smtClean="0"/>
-              <a:t>ticks at 0 and 100 but prestige does?</a:t>
+              <a:t>Why doesn't income have ticks at 0 and 100 but prestige does?</a:t>
             </a:r>
           </a:p>
           <a:p>
@@ -4537,7 +4494,6 @@
               <a:rPr lang="en-US" altLang="en-US" dirty="0" smtClean="0"/>
               <a:t>:</a:t>
             </a:r>
-            <a:endParaRPr lang="en-US" altLang="en-US" dirty="0" smtClean="0"/>
           </a:p>
           <a:p>
             <a:pPr lvl="1" eaLnBrk="1" hangingPunct="1"/>
@@ -4657,7 +4613,6 @@
               <a:rPr lang="en-US" altLang="en-US" dirty="0" smtClean="0"/>
               <a:t>More fiddling</a:t>
             </a:r>
-            <a:endParaRPr lang="en-US" altLang="en-US" dirty="0" smtClean="0"/>
           </a:p>
         </p:txBody>
       </p:sp>
@@ -4679,19 +4634,7 @@
             <a:pPr eaLnBrk="1" hangingPunct="1"/>
             <a:r>
               <a:rPr lang="en-US" altLang="en-US" dirty="0" smtClean="0"/>
-              <a:t>Suppose you want to </a:t>
-            </a:r>
-            <a:r>
-              <a:rPr lang="en-US" altLang="en-US" dirty="0" smtClean="0"/>
-              <a:t>see </a:t>
-            </a:r>
-            <a:r>
-              <a:rPr lang="en-US" altLang="en-US" dirty="0" smtClean="0"/>
-              <a:t>how education </a:t>
-            </a:r>
-            <a:r>
-              <a:rPr lang="en-US" altLang="en-US" dirty="0" smtClean="0"/>
-              <a:t>affects the prestige/income relationship</a:t>
+              <a:t>Suppose you want to see how education affects the prestige/income relationship</a:t>
             </a:r>
             <a:r>
               <a:rPr lang="en-US" altLang="en-US" dirty="0"/>
@@ -4699,30 +4642,14 @@
             </a:r>
             <a:r>
               <a:rPr lang="en-US" altLang="en-US" dirty="0" smtClean="0"/>
-              <a:t>by treating jobs as high or low education</a:t>
-            </a:r>
+              <a:t>by treating jobs as high or low education </a:t>
+            </a:r>
+          </a:p>
+          <a:p>
+            <a:pPr eaLnBrk="1" hangingPunct="1"/>
             <a:r>
               <a:rPr lang="en-US" altLang="en-US" dirty="0" smtClean="0"/>
-              <a:t> </a:t>
-            </a:r>
-          </a:p>
-          <a:p>
-            <a:pPr eaLnBrk="1" hangingPunct="1"/>
-            <a:r>
-              <a:rPr lang="en-US" altLang="en-US" dirty="0" smtClean="0"/>
-              <a:t>First, </a:t>
-            </a:r>
-            <a:r>
-              <a:rPr lang="en-US" altLang="en-US" dirty="0" smtClean="0"/>
-              <a:t>create </a:t>
-            </a:r>
-            <a:r>
-              <a:rPr lang="en-US" altLang="en-US" dirty="0" smtClean="0"/>
-              <a:t>a dichotomous </a:t>
-            </a:r>
-            <a:r>
-              <a:rPr lang="en-US" altLang="en-US" dirty="0" smtClean="0"/>
-              <a:t>variable for education and sanity-check it:</a:t>
+              <a:t>First, create a dichotomous variable for education and sanity-check it:</a:t>
             </a:r>
           </a:p>
           <a:p>
@@ -4733,11 +4660,7 @@
             </a:r>
             <a:r>
               <a:rPr lang="en-US" altLang="en-US" sz="2000" dirty="0" smtClean="0"/>
-              <a:t> </a:t>
-            </a:r>
-            <a:r>
-              <a:rPr lang="en-US" altLang="en-US" sz="2000" dirty="0" smtClean="0"/>
-              <a:t>&lt;- </a:t>
+              <a:t> &lt;- </a:t>
             </a:r>
             <a:r>
               <a:rPr lang="en-US" altLang="en-US" sz="2000" dirty="0" err="1" smtClean="0"/>
@@ -4745,11 +4668,7 @@
             </a:r>
             <a:r>
               <a:rPr lang="en-US" altLang="en-US" sz="2000" dirty="0" smtClean="0"/>
-              <a:t> &gt; </a:t>
-            </a:r>
-            <a:r>
-              <a:rPr lang="en-US" altLang="en-US" sz="2000" dirty="0" smtClean="0"/>
-              <a:t>50</a:t>
+              <a:t> &gt; 50</a:t>
             </a:r>
           </a:p>
           <a:p>
@@ -5131,19 +5050,7 @@
             <a:pPr eaLnBrk="1" hangingPunct="1"/>
             <a:r>
               <a:rPr lang="en-US" altLang="en-US" dirty="0" smtClean="0"/>
-              <a:t>Note that we don't get </a:t>
-            </a:r>
-            <a:r>
-              <a:rPr lang="en-US" altLang="en-US" dirty="0" smtClean="0"/>
-              <a:t>a </a:t>
-            </a:r>
-            <a:r>
-              <a:rPr lang="en-US" altLang="en-US" dirty="0" smtClean="0"/>
-              <a:t>scatterplot</a:t>
-            </a:r>
-            <a:r>
-              <a:rPr lang="en-US" altLang="en-US" dirty="0" smtClean="0"/>
-              <a:t>, because type is a factor:</a:t>
+              <a:t>Note that we don't get a scatterplot, because type is a factor:</a:t>
             </a:r>
           </a:p>
           <a:p>
@@ -5160,7 +5067,6 @@
               <a:rPr lang="en-US" altLang="en-US" dirty="0" smtClean="0"/>
               <a:t>)</a:t>
             </a:r>
-            <a:endParaRPr lang="en-US" altLang="en-US" dirty="0" smtClean="0"/>
           </a:p>
           <a:p>
             <a:pPr eaLnBrk="1" hangingPunct="1"/>
@@ -5199,7 +5105,6 @@
               <a:rPr lang="en-US" altLang="en-US" dirty="0" smtClean="0"/>
               <a:t>)</a:t>
             </a:r>
-            <a:endParaRPr lang="en-US" altLang="en-US" dirty="0" smtClean="0"/>
           </a:p>
         </p:txBody>
       </p:sp>
@@ -5293,15 +5198,7 @@
             </a:r>
             <a:r>
               <a:rPr lang="en-US" dirty="0" smtClean="0"/>
-              <a:t> dataset (built into R) and print out the list of states, sorted by </a:t>
-            </a:r>
-            <a:r>
-              <a:rPr lang="en-US" dirty="0" smtClean="0"/>
-              <a:t>assault arrest </a:t>
-            </a:r>
-            <a:r>
-              <a:rPr lang="en-US" dirty="0" smtClean="0"/>
-              <a:t>rate </a:t>
+              <a:t> dataset (built into R) and print out the list of states, sorted by assault arrest rate </a:t>
             </a:r>
             <a:endParaRPr lang="en-US" dirty="0"/>
           </a:p>
@@ -5468,11 +5365,7 @@
             </a:r>
             <a:r>
               <a:rPr lang="en-US" dirty="0" smtClean="0"/>
-              <a:t>13</a:t>
-            </a:r>
-            <a:r>
-              <a:rPr lang="en-US" dirty="0" smtClean="0"/>
-              <a:t>)</a:t>
+              <a:t>13)</a:t>
             </a:r>
             <a:endParaRPr lang="en-US" dirty="0"/>
           </a:p>
@@ -5757,17 +5650,12 @@
               <a:rPr lang="en-US" altLang="en-US" dirty="0" smtClean="0"/>
               <a:t>library(ggplot2)</a:t>
             </a:r>
-            <a:endParaRPr lang="en-US" altLang="en-US" dirty="0" smtClean="0"/>
           </a:p>
           <a:p>
             <a:pPr eaLnBrk="1" hangingPunct="1"/>
             <a:r>
               <a:rPr lang="en-US" altLang="en-US" dirty="0" smtClean="0"/>
-              <a:t>It </a:t>
-            </a:r>
-            <a:r>
-              <a:rPr lang="en-US" altLang="en-US" dirty="0" smtClean="0"/>
-              <a:t>will be easiest to start using </a:t>
+              <a:t>It will be easiest to start using </a:t>
             </a:r>
             <a:r>
               <a:rPr lang="en-US" altLang="en-US" dirty="0" err="1" smtClean="0"/>
@@ -6066,14 +5954,7 @@
                 <a:latin typeface="Courier New" panose="02070309020205020404" pitchFamily="49" charset="0"/>
                 <a:cs typeface="Courier New" panose="02070309020205020404" pitchFamily="49" charset="0"/>
               </a:rPr>
-              <a:t>p </a:t>
-            </a:r>
-            <a:r>
-              <a:rPr lang="en-US" altLang="en-US" sz="2300" dirty="0" smtClean="0">
-                <a:latin typeface="Courier New" panose="02070309020205020404" pitchFamily="49" charset="0"/>
-                <a:cs typeface="Courier New" panose="02070309020205020404" pitchFamily="49" charset="0"/>
-              </a:rPr>
-              <a:t>&lt;- </a:t>
+              <a:t>p &lt;- </a:t>
             </a:r>
             <a:r>
               <a:rPr lang="en-US" altLang="en-US" sz="2300" dirty="0" err="1" smtClean="0">
@@ -6523,6 +6404,40 @@
               <a:rPr lang="en-US" dirty="0"/>
               <a:t>()</a:t>
             </a:r>
+          </a:p>
+        </p:txBody>
+      </p:sp>
+      <p:sp>
+        <p:nvSpPr>
+          <p:cNvPr id="5" name="TextBox 4"/>
+          <p:cNvSpPr txBox="1"/>
+          <p:nvPr/>
+        </p:nvSpPr>
+        <p:spPr>
+          <a:xfrm>
+            <a:off x="5867400" y="6183868"/>
+            <a:ext cx="3206006" cy="369332"/>
+          </a:xfrm>
+          <a:prstGeom prst="rect">
+            <a:avLst/>
+          </a:prstGeom>
+          <a:noFill/>
+        </p:spPr>
+        <p:txBody>
+          <a:bodyPr wrap="none" rtlCol="0">
+            <a:spAutoFit/>
+          </a:bodyPr>
+          <a:lstStyle/>
+          <a:p>
+            <a:r>
+              <a:rPr lang="en-US" dirty="0" smtClean="0"/>
+              <a:t>Bonus self-test: </a:t>
+            </a:r>
+            <a:r>
+              <a:rPr lang="en-US" smtClean="0"/>
+              <a:t>graphics self-test</a:t>
+            </a:r>
+            <a:endParaRPr lang="en-US" dirty="0"/>
           </a:p>
         </p:txBody>
       </p:sp>
@@ -8457,11 +8372,7 @@
             </a:r>
             <a:r>
               <a:rPr lang="en-US" dirty="0" smtClean="0"/>
-              <a:t>14</a:t>
-            </a:r>
-            <a:r>
-              <a:rPr lang="en-US" dirty="0" smtClean="0"/>
-              <a:t>)</a:t>
+              <a:t>14)</a:t>
             </a:r>
             <a:endParaRPr lang="en-US" dirty="0"/>
           </a:p>

--- a/RWorkshopPart3-RegressionAndGraphics.pptx
+++ b/RWorkshopPart3-RegressionAndGraphics.pptx
@@ -4,6 +4,12 @@
   <p:sldMasterIdLst>
     <p:sldMasterId id="2147483648" r:id="rId1"/>
   </p:sldMasterIdLst>
+  <p:notesMasterIdLst>
+    <p:notesMasterId r:id="rId28"/>
+  </p:notesMasterIdLst>
+  <p:handoutMasterIdLst>
+    <p:handoutMasterId r:id="rId29"/>
+  </p:handoutMasterIdLst>
   <p:sldIdLst>
     <p:sldId id="257" r:id="rId2"/>
     <p:sldId id="271" r:id="rId3"/>
@@ -24,12 +30,13 @@
     <p:sldId id="287" r:id="rId18"/>
     <p:sldId id="299" r:id="rId19"/>
     <p:sldId id="289" r:id="rId20"/>
-    <p:sldId id="290" r:id="rId21"/>
-    <p:sldId id="292" r:id="rId22"/>
-    <p:sldId id="293" r:id="rId23"/>
-    <p:sldId id="294" r:id="rId24"/>
-    <p:sldId id="295" r:id="rId25"/>
-    <p:sldId id="300" r:id="rId26"/>
+    <p:sldId id="301" r:id="rId21"/>
+    <p:sldId id="290" r:id="rId22"/>
+    <p:sldId id="292" r:id="rId23"/>
+    <p:sldId id="293" r:id="rId24"/>
+    <p:sldId id="294" r:id="rId25"/>
+    <p:sldId id="295" r:id="rId26"/>
+    <p:sldId id="300" r:id="rId27"/>
   </p:sldIdLst>
   <p:sldSz cx="9144000" cy="6858000" type="screen4x3"/>
   <p:notesSz cx="6858000" cy="9144000"/>
@@ -131,6 +138,523 @@
 </p:presentation>
 </file>
 
+<file path=ppt/handoutMasters/handoutMaster1.xml><?xml version="1.0" encoding="utf-8"?>
+<p:handoutMaster xmlns:a="http://schemas.openxmlformats.org/drawingml/2006/main" xmlns:r="http://schemas.openxmlformats.org/officeDocument/2006/relationships" xmlns:p="http://schemas.openxmlformats.org/presentationml/2006/main">
+  <p:cSld>
+    <p:bg>
+      <p:bgRef idx="1001">
+        <a:schemeClr val="bg1"/>
+      </p:bgRef>
+    </p:bg>
+    <p:spTree>
+      <p:nvGrpSpPr>
+        <p:cNvPr id="1" name=""/>
+        <p:cNvGrpSpPr/>
+        <p:nvPr/>
+      </p:nvGrpSpPr>
+      <p:grpSpPr>
+        <a:xfrm>
+          <a:off x="0" y="0"/>
+          <a:ext cx="0" cy="0"/>
+          <a:chOff x="0" y="0"/>
+          <a:chExt cx="0" cy="0"/>
+        </a:xfrm>
+      </p:grpSpPr>
+      <p:sp>
+        <p:nvSpPr>
+          <p:cNvPr id="2" name="Header Placeholder 1"/>
+          <p:cNvSpPr>
+            <a:spLocks noGrp="1"/>
+          </p:cNvSpPr>
+          <p:nvPr>
+            <p:ph type="hdr" sz="quarter"/>
+          </p:nvPr>
+        </p:nvSpPr>
+        <p:spPr>
+          <a:xfrm>
+            <a:off x="0" y="0"/>
+            <a:ext cx="2971800" cy="457200"/>
+          </a:xfrm>
+          <a:prstGeom prst="rect">
+            <a:avLst/>
+          </a:prstGeom>
+        </p:spPr>
+        <p:txBody>
+          <a:bodyPr vert="horz" lIns="91440" tIns="45720" rIns="91440" bIns="45720" rtlCol="0"/>
+          <a:lstStyle>
+            <a:lvl1pPr algn="l">
+              <a:defRPr sz="1200"/>
+            </a:lvl1pPr>
+          </a:lstStyle>
+          <a:p>
+            <a:endParaRPr lang="en-US"/>
+          </a:p>
+        </p:txBody>
+      </p:sp>
+      <p:sp>
+        <p:nvSpPr>
+          <p:cNvPr id="3" name="Date Placeholder 2"/>
+          <p:cNvSpPr>
+            <a:spLocks noGrp="1"/>
+          </p:cNvSpPr>
+          <p:nvPr>
+            <p:ph type="dt" sz="quarter" idx="1"/>
+          </p:nvPr>
+        </p:nvSpPr>
+        <p:spPr>
+          <a:xfrm>
+            <a:off x="3884613" y="0"/>
+            <a:ext cx="2971800" cy="457200"/>
+          </a:xfrm>
+          <a:prstGeom prst="rect">
+            <a:avLst/>
+          </a:prstGeom>
+        </p:spPr>
+        <p:txBody>
+          <a:bodyPr vert="horz" lIns="91440" tIns="45720" rIns="91440" bIns="45720" rtlCol="0"/>
+          <a:lstStyle>
+            <a:lvl1pPr algn="r">
+              <a:defRPr sz="1200"/>
+            </a:lvl1pPr>
+          </a:lstStyle>
+          <a:p>
+            <a:fld id="{E8461243-D604-5843-845B-7EFB5EA31B62}" type="datetimeFigureOut">
+              <a:rPr lang="en-US" smtClean="0"/>
+              <a:t>6/15/18</a:t>
+            </a:fld>
+            <a:endParaRPr lang="en-US"/>
+          </a:p>
+        </p:txBody>
+      </p:sp>
+      <p:sp>
+        <p:nvSpPr>
+          <p:cNvPr id="4" name="Footer Placeholder 3"/>
+          <p:cNvSpPr>
+            <a:spLocks noGrp="1"/>
+          </p:cNvSpPr>
+          <p:nvPr>
+            <p:ph type="ftr" sz="quarter" idx="2"/>
+          </p:nvPr>
+        </p:nvSpPr>
+        <p:spPr>
+          <a:xfrm>
+            <a:off x="0" y="8685213"/>
+            <a:ext cx="2971800" cy="457200"/>
+          </a:xfrm>
+          <a:prstGeom prst="rect">
+            <a:avLst/>
+          </a:prstGeom>
+        </p:spPr>
+        <p:txBody>
+          <a:bodyPr vert="horz" lIns="91440" tIns="45720" rIns="91440" bIns="45720" rtlCol="0" anchor="b"/>
+          <a:lstStyle>
+            <a:lvl1pPr algn="l">
+              <a:defRPr sz="1200"/>
+            </a:lvl1pPr>
+          </a:lstStyle>
+          <a:p>
+            <a:endParaRPr lang="en-US"/>
+          </a:p>
+        </p:txBody>
+      </p:sp>
+      <p:sp>
+        <p:nvSpPr>
+          <p:cNvPr id="5" name="Slide Number Placeholder 4"/>
+          <p:cNvSpPr>
+            <a:spLocks noGrp="1"/>
+          </p:cNvSpPr>
+          <p:nvPr>
+            <p:ph type="sldNum" sz="quarter" idx="3"/>
+          </p:nvPr>
+        </p:nvSpPr>
+        <p:spPr>
+          <a:xfrm>
+            <a:off x="3884613" y="8685213"/>
+            <a:ext cx="2971800" cy="457200"/>
+          </a:xfrm>
+          <a:prstGeom prst="rect">
+            <a:avLst/>
+          </a:prstGeom>
+        </p:spPr>
+        <p:txBody>
+          <a:bodyPr vert="horz" lIns="91440" tIns="45720" rIns="91440" bIns="45720" rtlCol="0" anchor="b"/>
+          <a:lstStyle>
+            <a:lvl1pPr algn="r">
+              <a:defRPr sz="1200"/>
+            </a:lvl1pPr>
+          </a:lstStyle>
+          <a:p>
+            <a:fld id="{284ED577-D776-5F4B-A1BE-0061216FDA98}" type="slidenum">
+              <a:rPr lang="en-US" smtClean="0"/>
+              <a:t>‹#›</a:t>
+            </a:fld>
+            <a:endParaRPr lang="en-US"/>
+          </a:p>
+        </p:txBody>
+      </p:sp>
+    </p:spTree>
+    <p:extLst>
+      <p:ext uri="{BB962C8B-B14F-4D97-AF65-F5344CB8AC3E}">
+        <p14:creationId xmlns:p14="http://schemas.microsoft.com/office/powerpoint/2010/main" val="1697443332"/>
+      </p:ext>
+    </p:extLst>
+  </p:cSld>
+  <p:clrMap bg1="lt1" tx1="dk1" bg2="lt2" tx2="dk2" accent1="accent1" accent2="accent2" accent3="accent3" accent4="accent4" accent5="accent5" accent6="accent6" hlink="hlink" folHlink="folHlink"/>
+  <p:hf hdr="0" ftr="0" dt="0"/>
+</p:handoutMaster>
+</file>
+
+<file path=ppt/notesMasters/notesMaster1.xml><?xml version="1.0" encoding="utf-8"?>
+<p:notesMaster xmlns:a="http://schemas.openxmlformats.org/drawingml/2006/main" xmlns:r="http://schemas.openxmlformats.org/officeDocument/2006/relationships" xmlns:p="http://schemas.openxmlformats.org/presentationml/2006/main">
+  <p:cSld>
+    <p:bg>
+      <p:bgRef idx="1001">
+        <a:schemeClr val="bg1"/>
+      </p:bgRef>
+    </p:bg>
+    <p:spTree>
+      <p:nvGrpSpPr>
+        <p:cNvPr id="1" name=""/>
+        <p:cNvGrpSpPr/>
+        <p:nvPr/>
+      </p:nvGrpSpPr>
+      <p:grpSpPr>
+        <a:xfrm>
+          <a:off x="0" y="0"/>
+          <a:ext cx="0" cy="0"/>
+          <a:chOff x="0" y="0"/>
+          <a:chExt cx="0" cy="0"/>
+        </a:xfrm>
+      </p:grpSpPr>
+      <p:sp>
+        <p:nvSpPr>
+          <p:cNvPr id="2" name="Header Placeholder 1"/>
+          <p:cNvSpPr>
+            <a:spLocks noGrp="1"/>
+          </p:cNvSpPr>
+          <p:nvPr>
+            <p:ph type="hdr" sz="quarter"/>
+          </p:nvPr>
+        </p:nvSpPr>
+        <p:spPr>
+          <a:xfrm>
+            <a:off x="0" y="0"/>
+            <a:ext cx="2971800" cy="457200"/>
+          </a:xfrm>
+          <a:prstGeom prst="rect">
+            <a:avLst/>
+          </a:prstGeom>
+        </p:spPr>
+        <p:txBody>
+          <a:bodyPr vert="horz" lIns="91440" tIns="45720" rIns="91440" bIns="45720" rtlCol="0"/>
+          <a:lstStyle>
+            <a:lvl1pPr algn="l">
+              <a:defRPr sz="1200"/>
+            </a:lvl1pPr>
+          </a:lstStyle>
+          <a:p>
+            <a:endParaRPr lang="en-US"/>
+          </a:p>
+        </p:txBody>
+      </p:sp>
+      <p:sp>
+        <p:nvSpPr>
+          <p:cNvPr id="3" name="Date Placeholder 2"/>
+          <p:cNvSpPr>
+            <a:spLocks noGrp="1"/>
+          </p:cNvSpPr>
+          <p:nvPr>
+            <p:ph type="dt" idx="1"/>
+          </p:nvPr>
+        </p:nvSpPr>
+        <p:spPr>
+          <a:xfrm>
+            <a:off x="3884613" y="0"/>
+            <a:ext cx="2971800" cy="457200"/>
+          </a:xfrm>
+          <a:prstGeom prst="rect">
+            <a:avLst/>
+          </a:prstGeom>
+        </p:spPr>
+        <p:txBody>
+          <a:bodyPr vert="horz" lIns="91440" tIns="45720" rIns="91440" bIns="45720" rtlCol="0"/>
+          <a:lstStyle>
+            <a:lvl1pPr algn="r">
+              <a:defRPr sz="1200"/>
+            </a:lvl1pPr>
+          </a:lstStyle>
+          <a:p>
+            <a:fld id="{D1F18036-45D0-F74B-A2DB-993CC21DCE2D}" type="datetimeFigureOut">
+              <a:rPr lang="en-US" smtClean="0"/>
+              <a:t>6/15/18</a:t>
+            </a:fld>
+            <a:endParaRPr lang="en-US"/>
+          </a:p>
+        </p:txBody>
+      </p:sp>
+      <p:sp>
+        <p:nvSpPr>
+          <p:cNvPr id="4" name="Slide Image Placeholder 3"/>
+          <p:cNvSpPr>
+            <a:spLocks noGrp="1" noRot="1" noChangeAspect="1"/>
+          </p:cNvSpPr>
+          <p:nvPr>
+            <p:ph type="sldImg" idx="2"/>
+          </p:nvPr>
+        </p:nvSpPr>
+        <p:spPr>
+          <a:xfrm>
+            <a:off x="1143000" y="685800"/>
+            <a:ext cx="4572000" cy="3429000"/>
+          </a:xfrm>
+          <a:prstGeom prst="rect">
+            <a:avLst/>
+          </a:prstGeom>
+          <a:noFill/>
+          <a:ln w="12700">
+            <a:solidFill>
+              <a:prstClr val="black"/>
+            </a:solidFill>
+          </a:ln>
+        </p:spPr>
+        <p:txBody>
+          <a:bodyPr vert="horz" lIns="91440" tIns="45720" rIns="91440" bIns="45720" rtlCol="0" anchor="ctr"/>
+          <a:lstStyle/>
+          <a:p>
+            <a:endParaRPr lang="en-US"/>
+          </a:p>
+        </p:txBody>
+      </p:sp>
+      <p:sp>
+        <p:nvSpPr>
+          <p:cNvPr id="5" name="Notes Placeholder 4"/>
+          <p:cNvSpPr>
+            <a:spLocks noGrp="1"/>
+          </p:cNvSpPr>
+          <p:nvPr>
+            <p:ph type="body" sz="quarter" idx="3"/>
+          </p:nvPr>
+        </p:nvSpPr>
+        <p:spPr>
+          <a:xfrm>
+            <a:off x="685800" y="4343400"/>
+            <a:ext cx="5486400" cy="4114800"/>
+          </a:xfrm>
+          <a:prstGeom prst="rect">
+            <a:avLst/>
+          </a:prstGeom>
+        </p:spPr>
+        <p:txBody>
+          <a:bodyPr vert="horz" lIns="91440" tIns="45720" rIns="91440" bIns="45720" rtlCol="0"/>
+          <a:lstStyle/>
+          <a:p>
+            <a:pPr lvl="0"/>
+            <a:r>
+              <a:rPr lang="en-US" smtClean="0"/>
+              <a:t>Click to edit Master text styles</a:t>
+            </a:r>
+          </a:p>
+          <a:p>
+            <a:pPr lvl="1"/>
+            <a:r>
+              <a:rPr lang="en-US" smtClean="0"/>
+              <a:t>Second level</a:t>
+            </a:r>
+          </a:p>
+          <a:p>
+            <a:pPr lvl="2"/>
+            <a:r>
+              <a:rPr lang="en-US" smtClean="0"/>
+              <a:t>Third level</a:t>
+            </a:r>
+          </a:p>
+          <a:p>
+            <a:pPr lvl="3"/>
+            <a:r>
+              <a:rPr lang="en-US" smtClean="0"/>
+              <a:t>Fourth level</a:t>
+            </a:r>
+          </a:p>
+          <a:p>
+            <a:pPr lvl="4"/>
+            <a:r>
+              <a:rPr lang="en-US" smtClean="0"/>
+              <a:t>Fifth level</a:t>
+            </a:r>
+            <a:endParaRPr lang="en-US"/>
+          </a:p>
+        </p:txBody>
+      </p:sp>
+      <p:sp>
+        <p:nvSpPr>
+          <p:cNvPr id="6" name="Footer Placeholder 5"/>
+          <p:cNvSpPr>
+            <a:spLocks noGrp="1"/>
+          </p:cNvSpPr>
+          <p:nvPr>
+            <p:ph type="ftr" sz="quarter" idx="4"/>
+          </p:nvPr>
+        </p:nvSpPr>
+        <p:spPr>
+          <a:xfrm>
+            <a:off x="0" y="8685213"/>
+            <a:ext cx="2971800" cy="457200"/>
+          </a:xfrm>
+          <a:prstGeom prst="rect">
+            <a:avLst/>
+          </a:prstGeom>
+        </p:spPr>
+        <p:txBody>
+          <a:bodyPr vert="horz" lIns="91440" tIns="45720" rIns="91440" bIns="45720" rtlCol="0" anchor="b"/>
+          <a:lstStyle>
+            <a:lvl1pPr algn="l">
+              <a:defRPr sz="1200"/>
+            </a:lvl1pPr>
+          </a:lstStyle>
+          <a:p>
+            <a:endParaRPr lang="en-US"/>
+          </a:p>
+        </p:txBody>
+      </p:sp>
+      <p:sp>
+        <p:nvSpPr>
+          <p:cNvPr id="7" name="Slide Number Placeholder 6"/>
+          <p:cNvSpPr>
+            <a:spLocks noGrp="1"/>
+          </p:cNvSpPr>
+          <p:nvPr>
+            <p:ph type="sldNum" sz="quarter" idx="5"/>
+          </p:nvPr>
+        </p:nvSpPr>
+        <p:spPr>
+          <a:xfrm>
+            <a:off x="3884613" y="8685213"/>
+            <a:ext cx="2971800" cy="457200"/>
+          </a:xfrm>
+          <a:prstGeom prst="rect">
+            <a:avLst/>
+          </a:prstGeom>
+        </p:spPr>
+        <p:txBody>
+          <a:bodyPr vert="horz" lIns="91440" tIns="45720" rIns="91440" bIns="45720" rtlCol="0" anchor="b"/>
+          <a:lstStyle>
+            <a:lvl1pPr algn="r">
+              <a:defRPr sz="1200"/>
+            </a:lvl1pPr>
+          </a:lstStyle>
+          <a:p>
+            <a:fld id="{A431791A-F126-934C-8BFA-A5F9F76EB605}" type="slidenum">
+              <a:rPr lang="en-US" smtClean="0"/>
+              <a:t>‹#›</a:t>
+            </a:fld>
+            <a:endParaRPr lang="en-US"/>
+          </a:p>
+        </p:txBody>
+      </p:sp>
+    </p:spTree>
+    <p:extLst>
+      <p:ext uri="{BB962C8B-B14F-4D97-AF65-F5344CB8AC3E}">
+        <p14:creationId xmlns:p14="http://schemas.microsoft.com/office/powerpoint/2010/main" val="529212867"/>
+      </p:ext>
+    </p:extLst>
+  </p:cSld>
+  <p:clrMap bg1="lt1" tx1="dk1" bg2="lt2" tx2="dk2" accent1="accent1" accent2="accent2" accent3="accent3" accent4="accent4" accent5="accent5" accent6="accent6" hlink="hlink" folHlink="folHlink"/>
+  <p:hf hdr="0" ftr="0" dt="0"/>
+  <p:notesStyle>
+    <a:lvl1pPr marL="0" algn="l" defTabSz="457200" rtl="0" eaLnBrk="1" latinLnBrk="0" hangingPunct="1">
+      <a:defRPr sz="1200" kern="1200">
+        <a:solidFill>
+          <a:schemeClr val="tx1"/>
+        </a:solidFill>
+        <a:latin typeface="+mn-lt"/>
+        <a:ea typeface="+mn-ea"/>
+        <a:cs typeface="+mn-cs"/>
+      </a:defRPr>
+    </a:lvl1pPr>
+    <a:lvl2pPr marL="457200" algn="l" defTabSz="457200" rtl="0" eaLnBrk="1" latinLnBrk="0" hangingPunct="1">
+      <a:defRPr sz="1200" kern="1200">
+        <a:solidFill>
+          <a:schemeClr val="tx1"/>
+        </a:solidFill>
+        <a:latin typeface="+mn-lt"/>
+        <a:ea typeface="+mn-ea"/>
+        <a:cs typeface="+mn-cs"/>
+      </a:defRPr>
+    </a:lvl2pPr>
+    <a:lvl3pPr marL="914400" algn="l" defTabSz="457200" rtl="0" eaLnBrk="1" latinLnBrk="0" hangingPunct="1">
+      <a:defRPr sz="1200" kern="1200">
+        <a:solidFill>
+          <a:schemeClr val="tx1"/>
+        </a:solidFill>
+        <a:latin typeface="+mn-lt"/>
+        <a:ea typeface="+mn-ea"/>
+        <a:cs typeface="+mn-cs"/>
+      </a:defRPr>
+    </a:lvl3pPr>
+    <a:lvl4pPr marL="1371600" algn="l" defTabSz="457200" rtl="0" eaLnBrk="1" latinLnBrk="0" hangingPunct="1">
+      <a:defRPr sz="1200" kern="1200">
+        <a:solidFill>
+          <a:schemeClr val="tx1"/>
+        </a:solidFill>
+        <a:latin typeface="+mn-lt"/>
+        <a:ea typeface="+mn-ea"/>
+        <a:cs typeface="+mn-cs"/>
+      </a:defRPr>
+    </a:lvl4pPr>
+    <a:lvl5pPr marL="1828800" algn="l" defTabSz="457200" rtl="0" eaLnBrk="1" latinLnBrk="0" hangingPunct="1">
+      <a:defRPr sz="1200" kern="1200">
+        <a:solidFill>
+          <a:schemeClr val="tx1"/>
+        </a:solidFill>
+        <a:latin typeface="+mn-lt"/>
+        <a:ea typeface="+mn-ea"/>
+        <a:cs typeface="+mn-cs"/>
+      </a:defRPr>
+    </a:lvl5pPr>
+    <a:lvl6pPr marL="2286000" algn="l" defTabSz="457200" rtl="0" eaLnBrk="1" latinLnBrk="0" hangingPunct="1">
+      <a:defRPr sz="1200" kern="1200">
+        <a:solidFill>
+          <a:schemeClr val="tx1"/>
+        </a:solidFill>
+        <a:latin typeface="+mn-lt"/>
+        <a:ea typeface="+mn-ea"/>
+        <a:cs typeface="+mn-cs"/>
+      </a:defRPr>
+    </a:lvl6pPr>
+    <a:lvl7pPr marL="2743200" algn="l" defTabSz="457200" rtl="0" eaLnBrk="1" latinLnBrk="0" hangingPunct="1">
+      <a:defRPr sz="1200" kern="1200">
+        <a:solidFill>
+          <a:schemeClr val="tx1"/>
+        </a:solidFill>
+        <a:latin typeface="+mn-lt"/>
+        <a:ea typeface="+mn-ea"/>
+        <a:cs typeface="+mn-cs"/>
+      </a:defRPr>
+    </a:lvl7pPr>
+    <a:lvl8pPr marL="3200400" algn="l" defTabSz="457200" rtl="0" eaLnBrk="1" latinLnBrk="0" hangingPunct="1">
+      <a:defRPr sz="1200" kern="1200">
+        <a:solidFill>
+          <a:schemeClr val="tx1"/>
+        </a:solidFill>
+        <a:latin typeface="+mn-lt"/>
+        <a:ea typeface="+mn-ea"/>
+        <a:cs typeface="+mn-cs"/>
+      </a:defRPr>
+    </a:lvl8pPr>
+    <a:lvl9pPr marL="3657600" algn="l" defTabSz="457200" rtl="0" eaLnBrk="1" latinLnBrk="0" hangingPunct="1">
+      <a:defRPr sz="1200" kern="1200">
+        <a:solidFill>
+          <a:schemeClr val="tx1"/>
+        </a:solidFill>
+        <a:latin typeface="+mn-lt"/>
+        <a:ea typeface="+mn-ea"/>
+        <a:cs typeface="+mn-cs"/>
+      </a:defRPr>
+    </a:lvl9pPr>
+  </p:notesStyle>
+</p:notesMaster>
+</file>
+
 <file path=ppt/slideLayouts/slideLayout1.xml><?xml version="1.0" encoding="utf-8"?>
 <p:sldLayout xmlns:a="http://schemas.openxmlformats.org/drawingml/2006/main" xmlns:r="http://schemas.openxmlformats.org/officeDocument/2006/relationships" xmlns:p="http://schemas.openxmlformats.org/presentationml/2006/main" type="title" preserve="1">
   <p:cSld name="Title Slide">
@@ -310,9 +834,9 @@
           <a:bodyPr/>
           <a:lstStyle/>
           <a:p>
-            <a:fld id="{906AEABE-044F-49C7-9818-C7D9502EF312}" type="datetimeFigureOut">
-              <a:rPr lang="en-US" smtClean="0"/>
-              <a:t>6/19/2017</a:t>
+            <a:fld id="{9D01412E-F354-124D-AF0A-ACD59DB5DF72}" type="datetime1">
+              <a:rPr lang="en-US" smtClean="0"/>
+              <a:t>6/15/18</a:t>
             </a:fld>
             <a:endParaRPr lang="en-US"/>
           </a:p>
@@ -480,9 +1004,9 @@
           <a:bodyPr/>
           <a:lstStyle/>
           <a:p>
-            <a:fld id="{906AEABE-044F-49C7-9818-C7D9502EF312}" type="datetimeFigureOut">
-              <a:rPr lang="en-US" smtClean="0"/>
-              <a:t>6/19/2017</a:t>
+            <a:fld id="{876A67C4-9301-5D42-A1ED-080767BDD210}" type="datetime1">
+              <a:rPr lang="en-US" smtClean="0"/>
+              <a:t>6/15/18</a:t>
             </a:fld>
             <a:endParaRPr lang="en-US"/>
           </a:p>
@@ -660,9 +1184,9 @@
           <a:bodyPr/>
           <a:lstStyle/>
           <a:p>
-            <a:fld id="{906AEABE-044F-49C7-9818-C7D9502EF312}" type="datetimeFigureOut">
-              <a:rPr lang="en-US" smtClean="0"/>
-              <a:t>6/19/2017</a:t>
+            <a:fld id="{09A1F106-5EB9-E945-A2EE-30AF861D2F9B}" type="datetime1">
+              <a:rPr lang="en-US" smtClean="0"/>
+              <a:t>6/15/18</a:t>
             </a:fld>
             <a:endParaRPr lang="en-US"/>
           </a:p>
@@ -830,9 +1354,9 @@
           <a:bodyPr/>
           <a:lstStyle/>
           <a:p>
-            <a:fld id="{906AEABE-044F-49C7-9818-C7D9502EF312}" type="datetimeFigureOut">
-              <a:rPr lang="en-US" smtClean="0"/>
-              <a:t>6/19/2017</a:t>
+            <a:fld id="{CF492CD8-FE8A-7F4F-8C31-4634541436D1}" type="datetime1">
+              <a:rPr lang="en-US" smtClean="0"/>
+              <a:t>6/15/18</a:t>
             </a:fld>
             <a:endParaRPr lang="en-US"/>
           </a:p>
@@ -1076,9 +1600,9 @@
           <a:bodyPr/>
           <a:lstStyle/>
           <a:p>
-            <a:fld id="{906AEABE-044F-49C7-9818-C7D9502EF312}" type="datetimeFigureOut">
-              <a:rPr lang="en-US" smtClean="0"/>
-              <a:t>6/19/2017</a:t>
+            <a:fld id="{B27317BF-5102-DD4C-A5A2-B061E96C7492}" type="datetime1">
+              <a:rPr lang="en-US" smtClean="0"/>
+              <a:t>6/15/18</a:t>
             </a:fld>
             <a:endParaRPr lang="en-US"/>
           </a:p>
@@ -1364,9 +1888,9 @@
           <a:bodyPr/>
           <a:lstStyle/>
           <a:p>
-            <a:fld id="{906AEABE-044F-49C7-9818-C7D9502EF312}" type="datetimeFigureOut">
-              <a:rPr lang="en-US" smtClean="0"/>
-              <a:t>6/19/2017</a:t>
+            <a:fld id="{ADEEFEDB-55AC-2148-84AA-51E6552832D0}" type="datetime1">
+              <a:rPr lang="en-US" smtClean="0"/>
+              <a:t>6/15/18</a:t>
             </a:fld>
             <a:endParaRPr lang="en-US"/>
           </a:p>
@@ -1786,9 +2310,9 @@
           <a:bodyPr/>
           <a:lstStyle/>
           <a:p>
-            <a:fld id="{906AEABE-044F-49C7-9818-C7D9502EF312}" type="datetimeFigureOut">
-              <a:rPr lang="en-US" smtClean="0"/>
-              <a:t>6/19/2017</a:t>
+            <a:fld id="{4B70224D-79E9-594A-99A3-1E11BDA7D56C}" type="datetime1">
+              <a:rPr lang="en-US" smtClean="0"/>
+              <a:t>6/15/18</a:t>
             </a:fld>
             <a:endParaRPr lang="en-US"/>
           </a:p>
@@ -1904,9 +2428,9 @@
           <a:bodyPr/>
           <a:lstStyle/>
           <a:p>
-            <a:fld id="{906AEABE-044F-49C7-9818-C7D9502EF312}" type="datetimeFigureOut">
-              <a:rPr lang="en-US" smtClean="0"/>
-              <a:t>6/19/2017</a:t>
+            <a:fld id="{0BC421F0-1F56-384F-862A-BA06B2F8EEFD}" type="datetime1">
+              <a:rPr lang="en-US" smtClean="0"/>
+              <a:t>6/15/18</a:t>
             </a:fld>
             <a:endParaRPr lang="en-US"/>
           </a:p>
@@ -1999,9 +2523,9 @@
           <a:bodyPr/>
           <a:lstStyle/>
           <a:p>
-            <a:fld id="{906AEABE-044F-49C7-9818-C7D9502EF312}" type="datetimeFigureOut">
-              <a:rPr lang="en-US" smtClean="0"/>
-              <a:t>6/19/2017</a:t>
+            <a:fld id="{7154B9DB-A4C6-D845-BBE4-4BB6B955FAE9}" type="datetime1">
+              <a:rPr lang="en-US" smtClean="0"/>
+              <a:t>6/15/18</a:t>
             </a:fld>
             <a:endParaRPr lang="en-US"/>
           </a:p>
@@ -2276,9 +2800,9 @@
           <a:bodyPr/>
           <a:lstStyle/>
           <a:p>
-            <a:fld id="{906AEABE-044F-49C7-9818-C7D9502EF312}" type="datetimeFigureOut">
-              <a:rPr lang="en-US" smtClean="0"/>
-              <a:t>6/19/2017</a:t>
+            <a:fld id="{5A2568A1-49E9-B242-8D67-6FA3E349A5C3}" type="datetime1">
+              <a:rPr lang="en-US" smtClean="0"/>
+              <a:t>6/15/18</a:t>
             </a:fld>
             <a:endParaRPr lang="en-US"/>
           </a:p>
@@ -2529,9 +3053,9 @@
           <a:bodyPr/>
           <a:lstStyle/>
           <a:p>
-            <a:fld id="{906AEABE-044F-49C7-9818-C7D9502EF312}" type="datetimeFigureOut">
-              <a:rPr lang="en-US" smtClean="0"/>
-              <a:t>6/19/2017</a:t>
+            <a:fld id="{A6E06765-FB44-5F40-8A5E-324745C1D5B5}" type="datetime1">
+              <a:rPr lang="en-US" smtClean="0"/>
+              <a:t>6/15/18</a:t>
             </a:fld>
             <a:endParaRPr lang="en-US"/>
           </a:p>
@@ -2742,9 +3266,9 @@
             </a:lvl1pPr>
           </a:lstStyle>
           <a:p>
-            <a:fld id="{906AEABE-044F-49C7-9818-C7D9502EF312}" type="datetimeFigureOut">
-              <a:rPr lang="en-US" smtClean="0"/>
-              <a:t>6/19/2017</a:t>
+            <a:fld id="{EA261AF2-CBDC-B64C-850E-07DDAF64AA4E}" type="datetime1">
+              <a:rPr lang="en-US" smtClean="0"/>
+              <a:t>6/15/18</a:t>
             </a:fld>
             <a:endParaRPr lang="en-US"/>
           </a:p>
@@ -2849,6 +3373,7 @@
     <p:sldLayoutId id="2147483658" r:id="rId10"/>
     <p:sldLayoutId id="2147483659" r:id="rId11"/>
   </p:sldLayoutIdLst>
+  <p:hf hdr="0" ftr="0" dt="0"/>
   <p:txStyles>
     <p:titleStyle>
       <a:lvl1pPr algn="ctr" defTabSz="914400" rtl="0" eaLnBrk="1" latinLnBrk="0" hangingPunct="1">
@@ -3180,11 +3705,39 @@
           <a:p>
             <a:r>
               <a:rPr lang="en-US" dirty="0" smtClean="0"/>
-              <a:t>SER 2017</a:t>
-            </a:r>
+              <a:t>SER </a:t>
+            </a:r>
+            <a:r>
+              <a:rPr lang="en-US" dirty="0" smtClean="0"/>
+              <a:t>2018</a:t>
+            </a:r>
+            <a:endParaRPr lang="en-US" dirty="0" smtClean="0"/>
           </a:p>
           <a:p>
             <a:endParaRPr lang="en-US" dirty="0"/>
+          </a:p>
+        </p:txBody>
+      </p:sp>
+      <p:sp>
+        <p:nvSpPr>
+          <p:cNvPr id="4" name="Slide Number Placeholder 3"/>
+          <p:cNvSpPr>
+            <a:spLocks noGrp="1"/>
+          </p:cNvSpPr>
+          <p:nvPr>
+            <p:ph type="sldNum" sz="quarter" idx="12"/>
+          </p:nvPr>
+        </p:nvSpPr>
+        <p:spPr/>
+        <p:txBody>
+          <a:bodyPr/>
+          <a:lstStyle/>
+          <a:p>
+            <a:fld id="{A8852445-E6DD-424C-957C-E3694D7E148C}" type="slidenum">
+              <a:rPr lang="en-US" smtClean="0"/>
+              <a:t>1</a:t>
+            </a:fld>
+            <a:endParaRPr lang="en-US"/>
           </a:p>
         </p:txBody>
       </p:sp>
@@ -3201,7 +3754,7 @@
   <p:timing>
     <p:tnLst>
       <p:par>
-        <p:cTn id="1" dur="indefinite" restart="never" nodeType="tmRoot"/>
+        <p:cTn xmlns:p14="http://schemas.microsoft.com/office/powerpoint/2010/main" id="1" dur="indefinite" restart="never" nodeType="tmRoot"/>
       </p:par>
     </p:tnLst>
   </p:timing>
@@ -3346,14 +3899,14 @@
           </a:ln>
           <a:effectLst/>
           <a:extLst>
-            <a:ext uri="{909E8E84-426E-40DD-AFC4-6F175D3DCCD1}">
+            <a:ext uri="{909E8E84-426E-40dd-AFC4-6F175D3DCCD1}">
               <a14:hiddenFill xmlns:a14="http://schemas.microsoft.com/office/drawing/2010/main">
                 <a:solidFill>
                   <a:schemeClr val="accent1"/>
                 </a:solidFill>
               </a14:hiddenFill>
             </a:ext>
-            <a:ext uri="{91240B29-F687-4F45-9708-019B960494DF}">
+            <a:ext uri="{91240B29-F687-4f45-9708-019B960494DF}">
               <a14:hiddenLine xmlns:a14="http://schemas.microsoft.com/office/drawing/2010/main" w="9525">
                 <a:solidFill>
                   <a:schemeClr val="tx1"/>
@@ -3363,7 +3916,7 @@
                 <a:tailEnd/>
               </a14:hiddenLine>
             </a:ext>
-            <a:ext uri="{AF507438-7753-43E0-B8FC-AC1667EBCBE1}">
+            <a:ext uri="{AF507438-7753-43e0-B8FC-AC1667EBCBE1}">
               <a14:hiddenEffects xmlns:a14="http://schemas.microsoft.com/office/drawing/2010/main">
                 <a:effectLst>
                   <a:outerShdw dist="35921" dir="2700000" algn="ctr" rotWithShape="0">
@@ -3402,6 +3955,29 @@
               <a:t>Prestige!  Because of 3-year olds</a:t>
             </a:r>
             <a:endParaRPr lang="en-US" dirty="0"/>
+          </a:p>
+        </p:txBody>
+      </p:sp>
+      <p:sp>
+        <p:nvSpPr>
+          <p:cNvPr id="6" name="Slide Number Placeholder 5"/>
+          <p:cNvSpPr>
+            <a:spLocks noGrp="1"/>
+          </p:cNvSpPr>
+          <p:nvPr>
+            <p:ph type="sldNum" sz="quarter" idx="12"/>
+          </p:nvPr>
+        </p:nvSpPr>
+        <p:spPr/>
+        <p:txBody>
+          <a:bodyPr/>
+          <a:lstStyle/>
+          <a:p>
+            <a:fld id="{A8852445-E6DD-424C-957C-E3694D7E148C}" type="slidenum">
+              <a:rPr lang="en-US" smtClean="0"/>
+              <a:t>10</a:t>
+            </a:fld>
+            <a:endParaRPr lang="en-US"/>
           </a:p>
         </p:txBody>
       </p:sp>
@@ -3418,7 +3994,7 @@
   <p:timing>
     <p:tnLst>
       <p:par>
-        <p:cTn id="1" dur="indefinite" restart="never" nodeType="tmRoot">
+        <p:cTn xmlns:p14="http://schemas.microsoft.com/office/powerpoint/2010/main" id="1" dur="indefinite" restart="never" nodeType="tmRoot">
           <p:childTnLst>
             <p:seq concurrent="1" nextAc="seek">
               <p:cTn id="2" dur="indefinite" nodeType="mainSeq">
@@ -3656,6 +4232,29 @@
           </a:p>
         </p:txBody>
       </p:sp>
+      <p:sp>
+        <p:nvSpPr>
+          <p:cNvPr id="2" name="Slide Number Placeholder 1"/>
+          <p:cNvSpPr>
+            <a:spLocks noGrp="1"/>
+          </p:cNvSpPr>
+          <p:nvPr>
+            <p:ph type="sldNum" sz="quarter" idx="12"/>
+          </p:nvPr>
+        </p:nvSpPr>
+        <p:spPr/>
+        <p:txBody>
+          <a:bodyPr/>
+          <a:lstStyle/>
+          <a:p>
+            <a:fld id="{A8852445-E6DD-424C-957C-E3694D7E148C}" type="slidenum">
+              <a:rPr lang="en-US" smtClean="0"/>
+              <a:t>11</a:t>
+            </a:fld>
+            <a:endParaRPr lang="en-US"/>
+          </a:p>
+        </p:txBody>
+      </p:sp>
     </p:spTree>
     <p:extLst>
       <p:ext uri="{BB962C8B-B14F-4D97-AF65-F5344CB8AC3E}">
@@ -3669,7 +4268,7 @@
   <p:timing>
     <p:tnLst>
       <p:par>
-        <p:cTn id="1" dur="indefinite" restart="never" nodeType="tmRoot"/>
+        <p:cTn xmlns:p14="http://schemas.microsoft.com/office/powerpoint/2010/main" id="1" dur="indefinite" restart="never" nodeType="tmRoot"/>
       </p:par>
     </p:tnLst>
   </p:timing>
@@ -3788,6 +4387,29 @@
           </a:p>
         </p:txBody>
       </p:sp>
+      <p:sp>
+        <p:nvSpPr>
+          <p:cNvPr id="2" name="Slide Number Placeholder 1"/>
+          <p:cNvSpPr>
+            <a:spLocks noGrp="1"/>
+          </p:cNvSpPr>
+          <p:nvPr>
+            <p:ph type="sldNum" sz="quarter" idx="12"/>
+          </p:nvPr>
+        </p:nvSpPr>
+        <p:spPr/>
+        <p:txBody>
+          <a:bodyPr/>
+          <a:lstStyle/>
+          <a:p>
+            <a:fld id="{A8852445-E6DD-424C-957C-E3694D7E148C}" type="slidenum">
+              <a:rPr lang="en-US" smtClean="0"/>
+              <a:t>12</a:t>
+            </a:fld>
+            <a:endParaRPr lang="en-US"/>
+          </a:p>
+        </p:txBody>
+      </p:sp>
     </p:spTree>
     <p:extLst>
       <p:ext uri="{BB962C8B-B14F-4D97-AF65-F5344CB8AC3E}">
@@ -3801,7 +4423,7 @@
   <p:timing>
     <p:tnLst>
       <p:par>
-        <p:cTn id="1" dur="indefinite" restart="never" nodeType="tmRoot"/>
+        <p:cTn xmlns:p14="http://schemas.microsoft.com/office/powerpoint/2010/main" id="1" dur="indefinite" restart="never" nodeType="tmRoot"/>
       </p:par>
     </p:tnLst>
   </p:timing>
@@ -3930,6 +4552,29 @@
           </a:p>
         </p:txBody>
       </p:sp>
+      <p:sp>
+        <p:nvSpPr>
+          <p:cNvPr id="2" name="Slide Number Placeholder 1"/>
+          <p:cNvSpPr>
+            <a:spLocks noGrp="1"/>
+          </p:cNvSpPr>
+          <p:nvPr>
+            <p:ph type="sldNum" sz="quarter" idx="12"/>
+          </p:nvPr>
+        </p:nvSpPr>
+        <p:spPr/>
+        <p:txBody>
+          <a:bodyPr/>
+          <a:lstStyle/>
+          <a:p>
+            <a:fld id="{A8852445-E6DD-424C-957C-E3694D7E148C}" type="slidenum">
+              <a:rPr lang="en-US" smtClean="0"/>
+              <a:t>13</a:t>
+            </a:fld>
+            <a:endParaRPr lang="en-US"/>
+          </a:p>
+        </p:txBody>
+      </p:sp>
     </p:spTree>
     <p:extLst>
       <p:ext uri="{BB962C8B-B14F-4D97-AF65-F5344CB8AC3E}">
@@ -3943,7 +4588,7 @@
   <p:timing>
     <p:tnLst>
       <p:par>
-        <p:cTn id="1" dur="indefinite" restart="never" nodeType="tmRoot"/>
+        <p:cTn xmlns:p14="http://schemas.microsoft.com/office/powerpoint/2010/main" id="1" dur="indefinite" restart="never" nodeType="tmRoot"/>
       </p:par>
     </p:tnLst>
   </p:timing>
@@ -4161,6 +4806,29 @@
           </a:p>
         </p:txBody>
       </p:sp>
+      <p:sp>
+        <p:nvSpPr>
+          <p:cNvPr id="2" name="Slide Number Placeholder 1"/>
+          <p:cNvSpPr>
+            <a:spLocks noGrp="1"/>
+          </p:cNvSpPr>
+          <p:nvPr>
+            <p:ph type="sldNum" sz="quarter" idx="12"/>
+          </p:nvPr>
+        </p:nvSpPr>
+        <p:spPr/>
+        <p:txBody>
+          <a:bodyPr/>
+          <a:lstStyle/>
+          <a:p>
+            <a:fld id="{A8852445-E6DD-424C-957C-E3694D7E148C}" type="slidenum">
+              <a:rPr lang="en-US" smtClean="0"/>
+              <a:t>14</a:t>
+            </a:fld>
+            <a:endParaRPr lang="en-US"/>
+          </a:p>
+        </p:txBody>
+      </p:sp>
     </p:spTree>
     <p:extLst>
       <p:ext uri="{BB962C8B-B14F-4D97-AF65-F5344CB8AC3E}">
@@ -4174,7 +4842,7 @@
   <p:timing>
     <p:tnLst>
       <p:par>
-        <p:cTn id="1" dur="indefinite" restart="never" nodeType="tmRoot"/>
+        <p:cTn xmlns:p14="http://schemas.microsoft.com/office/powerpoint/2010/main" id="1" dur="indefinite" restart="never" nodeType="tmRoot"/>
       </p:par>
     </p:tnLst>
   </p:timing>
@@ -4366,6 +5034,29 @@
           </a:p>
         </p:txBody>
       </p:sp>
+      <p:sp>
+        <p:nvSpPr>
+          <p:cNvPr id="4" name="Slide Number Placeholder 3"/>
+          <p:cNvSpPr>
+            <a:spLocks noGrp="1"/>
+          </p:cNvSpPr>
+          <p:nvPr>
+            <p:ph type="sldNum" sz="quarter" idx="12"/>
+          </p:nvPr>
+        </p:nvSpPr>
+        <p:spPr/>
+        <p:txBody>
+          <a:bodyPr/>
+          <a:lstStyle/>
+          <a:p>
+            <a:fld id="{A8852445-E6DD-424C-957C-E3694D7E148C}" type="slidenum">
+              <a:rPr lang="en-US" smtClean="0"/>
+              <a:t>15</a:t>
+            </a:fld>
+            <a:endParaRPr lang="en-US"/>
+          </a:p>
+        </p:txBody>
+      </p:sp>
     </p:spTree>
     <p:extLst>
       <p:ext uri="{BB962C8B-B14F-4D97-AF65-F5344CB8AC3E}">
@@ -4379,7 +5070,7 @@
   <p:timing>
     <p:tnLst>
       <p:par>
-        <p:cTn id="1" dur="indefinite" restart="never" nodeType="tmRoot"/>
+        <p:cTn xmlns:p14="http://schemas.microsoft.com/office/powerpoint/2010/main" id="1" dur="indefinite" restart="never" nodeType="tmRoot"/>
       </p:par>
     </p:tnLst>
   </p:timing>
@@ -4556,6 +5247,29 @@
           </a:p>
         </p:txBody>
       </p:sp>
+      <p:sp>
+        <p:nvSpPr>
+          <p:cNvPr id="2" name="Slide Number Placeholder 1"/>
+          <p:cNvSpPr>
+            <a:spLocks noGrp="1"/>
+          </p:cNvSpPr>
+          <p:nvPr>
+            <p:ph type="sldNum" sz="quarter" idx="12"/>
+          </p:nvPr>
+        </p:nvSpPr>
+        <p:spPr/>
+        <p:txBody>
+          <a:bodyPr/>
+          <a:lstStyle/>
+          <a:p>
+            <a:fld id="{A8852445-E6DD-424C-957C-E3694D7E148C}" type="slidenum">
+              <a:rPr lang="en-US" smtClean="0"/>
+              <a:t>16</a:t>
+            </a:fld>
+            <a:endParaRPr lang="en-US"/>
+          </a:p>
+        </p:txBody>
+      </p:sp>
     </p:spTree>
     <p:extLst>
       <p:ext uri="{BB962C8B-B14F-4D97-AF65-F5344CB8AC3E}">
@@ -4569,7 +5283,7 @@
   <p:timing>
     <p:tnLst>
       <p:par>
-        <p:cTn id="1" dur="indefinite" restart="never" nodeType="tmRoot"/>
+        <p:cTn xmlns:p14="http://schemas.microsoft.com/office/powerpoint/2010/main" id="1" dur="indefinite" restart="never" nodeType="tmRoot"/>
       </p:par>
     </p:tnLst>
   </p:timing>
@@ -4716,6 +5430,29 @@
           </a:p>
         </p:txBody>
       </p:sp>
+      <p:sp>
+        <p:nvSpPr>
+          <p:cNvPr id="2" name="Slide Number Placeholder 1"/>
+          <p:cNvSpPr>
+            <a:spLocks noGrp="1"/>
+          </p:cNvSpPr>
+          <p:nvPr>
+            <p:ph type="sldNum" sz="quarter" idx="12"/>
+          </p:nvPr>
+        </p:nvSpPr>
+        <p:spPr/>
+        <p:txBody>
+          <a:bodyPr/>
+          <a:lstStyle/>
+          <a:p>
+            <a:fld id="{A8852445-E6DD-424C-957C-E3694D7E148C}" type="slidenum">
+              <a:rPr lang="en-US" smtClean="0"/>
+              <a:t>17</a:t>
+            </a:fld>
+            <a:endParaRPr lang="en-US"/>
+          </a:p>
+        </p:txBody>
+      </p:sp>
     </p:spTree>
     <p:extLst>
       <p:ext uri="{BB962C8B-B14F-4D97-AF65-F5344CB8AC3E}">
@@ -4729,7 +5466,7 @@
   <p:timing>
     <p:tnLst>
       <p:par>
-        <p:cTn id="1" dur="indefinite" restart="never" nodeType="tmRoot"/>
+        <p:cTn xmlns:p14="http://schemas.microsoft.com/office/powerpoint/2010/main" id="1" dur="indefinite" restart="never" nodeType="tmRoot"/>
       </p:par>
     </p:tnLst>
   </p:timing>
@@ -4942,6 +5679,29 @@
           </a:p>
         </p:txBody>
       </p:sp>
+      <p:sp>
+        <p:nvSpPr>
+          <p:cNvPr id="4" name="Slide Number Placeholder 3"/>
+          <p:cNvSpPr>
+            <a:spLocks noGrp="1"/>
+          </p:cNvSpPr>
+          <p:nvPr>
+            <p:ph type="sldNum" sz="quarter" idx="12"/>
+          </p:nvPr>
+        </p:nvSpPr>
+        <p:spPr/>
+        <p:txBody>
+          <a:bodyPr/>
+          <a:lstStyle/>
+          <a:p>
+            <a:fld id="{A8852445-E6DD-424C-957C-E3694D7E148C}" type="slidenum">
+              <a:rPr lang="en-US" smtClean="0"/>
+              <a:t>18</a:t>
+            </a:fld>
+            <a:endParaRPr lang="en-US"/>
+          </a:p>
+        </p:txBody>
+      </p:sp>
     </p:spTree>
     <p:extLst>
       <p:ext uri="{BB962C8B-B14F-4D97-AF65-F5344CB8AC3E}">
@@ -4955,7 +5715,7 @@
   <p:timing>
     <p:tnLst>
       <p:par>
-        <p:cTn id="1" dur="indefinite" restart="never" nodeType="tmRoot"/>
+        <p:cTn xmlns:p14="http://schemas.microsoft.com/office/powerpoint/2010/main" id="1" dur="indefinite" restart="never" nodeType="tmRoot"/>
       </p:par>
     </p:tnLst>
   </p:timing>
@@ -5108,6 +5868,29 @@
           </a:p>
         </p:txBody>
       </p:sp>
+      <p:sp>
+        <p:nvSpPr>
+          <p:cNvPr id="2" name="Slide Number Placeholder 1"/>
+          <p:cNvSpPr>
+            <a:spLocks noGrp="1"/>
+          </p:cNvSpPr>
+          <p:nvPr>
+            <p:ph type="sldNum" sz="quarter" idx="12"/>
+          </p:nvPr>
+        </p:nvSpPr>
+        <p:spPr/>
+        <p:txBody>
+          <a:bodyPr/>
+          <a:lstStyle/>
+          <a:p>
+            <a:fld id="{A8852445-E6DD-424C-957C-E3694D7E148C}" type="slidenum">
+              <a:rPr lang="en-US" smtClean="0"/>
+              <a:t>19</a:t>
+            </a:fld>
+            <a:endParaRPr lang="en-US"/>
+          </a:p>
+        </p:txBody>
+      </p:sp>
     </p:spTree>
     <p:extLst>
       <p:ext uri="{BB962C8B-B14F-4D97-AF65-F5344CB8AC3E}">
@@ -5121,7 +5904,7 @@
   <p:timing>
     <p:tnLst>
       <p:par>
-        <p:cTn id="1" dur="indefinite" restart="never" nodeType="tmRoot"/>
+        <p:cTn xmlns:p14="http://schemas.microsoft.com/office/powerpoint/2010/main" id="1" dur="indefinite" restart="never" nodeType="tmRoot"/>
       </p:par>
     </p:tnLst>
   </p:timing>
@@ -5309,14 +6092,14 @@
           </a:ln>
           <a:effectLst/>
           <a:extLst>
-            <a:ext uri="{909E8E84-426E-40DD-AFC4-6F175D3DCCD1}">
+            <a:ext uri="{909E8E84-426E-40dd-AFC4-6F175D3DCCD1}">
               <a14:hiddenFill xmlns:a14="http://schemas.microsoft.com/office/drawing/2010/main">
                 <a:solidFill>
                   <a:schemeClr val="accent1"/>
                 </a:solidFill>
               </a14:hiddenFill>
             </a:ext>
-            <a:ext uri="{91240B29-F687-4F45-9708-019B960494DF}">
+            <a:ext uri="{91240B29-F687-4f45-9708-019B960494DF}">
               <a14:hiddenLine xmlns:a14="http://schemas.microsoft.com/office/drawing/2010/main" w="9525">
                 <a:solidFill>
                   <a:schemeClr val="tx1"/>
@@ -5326,7 +6109,7 @@
                 <a:tailEnd/>
               </a14:hiddenLine>
             </a:ext>
-            <a:ext uri="{AF507438-7753-43E0-B8FC-AC1667EBCBE1}">
+            <a:ext uri="{AF507438-7753-43e0-B8FC-AC1667EBCBE1}">
               <a14:hiddenEffects xmlns:a14="http://schemas.microsoft.com/office/drawing/2010/main">
                 <a:effectLst>
                   <a:outerShdw dist="35921" dir="2700000" algn="ctr" rotWithShape="0">
@@ -5346,7 +6129,7 @@
         </p:nvSpPr>
         <p:spPr>
           <a:xfrm>
-            <a:off x="6452960" y="6248400"/>
+            <a:off x="6096000" y="6019800"/>
             <a:ext cx="2230419" cy="369332"/>
           </a:xfrm>
           <a:prstGeom prst="rect">
@@ -5368,6 +6151,29 @@
               <a:t>13)</a:t>
             </a:r>
             <a:endParaRPr lang="en-US" dirty="0"/>
+          </a:p>
+        </p:txBody>
+      </p:sp>
+      <p:sp>
+        <p:nvSpPr>
+          <p:cNvPr id="5" name="Slide Number Placeholder 4"/>
+          <p:cNvSpPr>
+            <a:spLocks noGrp="1"/>
+          </p:cNvSpPr>
+          <p:nvPr>
+            <p:ph type="sldNum" sz="quarter" idx="12"/>
+          </p:nvPr>
+        </p:nvSpPr>
+        <p:spPr/>
+        <p:txBody>
+          <a:bodyPr/>
+          <a:lstStyle/>
+          <a:p>
+            <a:fld id="{A8852445-E6DD-424C-957C-E3694D7E148C}" type="slidenum">
+              <a:rPr lang="en-US" smtClean="0"/>
+              <a:t>2</a:t>
+            </a:fld>
+            <a:endParaRPr lang="en-US"/>
           </a:p>
         </p:txBody>
       </p:sp>
@@ -5384,7 +6190,7 @@
   <p:timing>
     <p:tnLst>
       <p:par>
-        <p:cTn id="1" dur="indefinite" restart="never" nodeType="tmRoot">
+        <p:cTn xmlns:p14="http://schemas.microsoft.com/office/powerpoint/2010/main" id="1" dur="indefinite" restart="never" nodeType="tmRoot">
           <p:childTnLst>
             <p:seq concurrent="1" nextAc="seek">
               <p:cTn id="2" dur="indefinite" nodeType="mainSeq">
@@ -5481,7 +6287,7 @@
       </p:grpSpPr>
       <p:sp>
         <p:nvSpPr>
-          <p:cNvPr id="35842" name="Title 1"/>
+          <p:cNvPr id="2" name="Title 1"/>
           <p:cNvSpPr>
             <a:spLocks noGrp="1"/>
           </p:cNvSpPr>
@@ -5494,17 +6300,17 @@
           <a:bodyPr/>
           <a:lstStyle/>
           <a:p>
-            <a:pPr eaLnBrk="1" hangingPunct="1"/>
-            <a:r>
-              <a:rPr lang="en-US" altLang="en-US" smtClean="0"/>
-              <a:t>ggplot</a:t>
-            </a:r>
-          </a:p>
-        </p:txBody>
-      </p:sp>
-      <p:sp>
-        <p:nvSpPr>
-          <p:cNvPr id="35843" name="Content Placeholder 2"/>
+            <a:r>
+              <a:rPr lang="en-US" dirty="0" smtClean="0"/>
+              <a:t>Challenge</a:t>
+            </a:r>
+            <a:endParaRPr lang="en-US" dirty="0"/>
+          </a:p>
+        </p:txBody>
+      </p:sp>
+      <p:sp>
+        <p:nvSpPr>
+          <p:cNvPr id="3" name="Content Placeholder 2"/>
           <p:cNvSpPr>
             <a:spLocks noGrp="1"/>
           </p:cNvSpPr>
@@ -5512,61 +6318,177 @@
             <p:ph idx="1"/>
           </p:nvPr>
         </p:nvSpPr>
-        <p:spPr/>
-        <p:txBody>
-          <a:bodyPr/>
-          <a:lstStyle/>
-          <a:p>
-            <a:pPr eaLnBrk="1" hangingPunct="1"/>
-            <a:r>
-              <a:rPr lang="en-US" altLang="en-US" dirty="0" err="1" smtClean="0"/>
-              <a:t>ggplot</a:t>
-            </a:r>
-            <a:r>
-              <a:rPr lang="en-US" altLang="en-US" dirty="0" smtClean="0"/>
-              <a:t> is a whole different beast from base graphics</a:t>
-            </a:r>
-          </a:p>
-          <a:p>
-            <a:pPr eaLnBrk="1" hangingPunct="1"/>
-            <a:r>
-              <a:rPr lang="en-US" altLang="en-US" dirty="0" err="1" smtClean="0"/>
-              <a:t>ggplot</a:t>
-            </a:r>
-            <a:r>
-              <a:rPr lang="en-US" altLang="en-US" dirty="0" smtClean="0"/>
-              <a:t> is like R itself – some work to get oriented, but powerful once you do</a:t>
-            </a:r>
-          </a:p>
-          <a:p>
-            <a:pPr eaLnBrk="1" hangingPunct="1"/>
-            <a:r>
-              <a:rPr lang="en-US" altLang="en-US" dirty="0" smtClean="0"/>
-              <a:t>You don't have to know </a:t>
-            </a:r>
-            <a:r>
-              <a:rPr lang="en-US" altLang="en-US" dirty="0" err="1" smtClean="0"/>
-              <a:t>ggplot</a:t>
-            </a:r>
-            <a:r>
-              <a:rPr lang="en-US" altLang="en-US" dirty="0" smtClean="0"/>
-              <a:t> to be successful using R</a:t>
-            </a:r>
-          </a:p>
-          <a:p>
-            <a:pPr eaLnBrk="1" hangingPunct="1"/>
-            <a:endParaRPr lang="en-US" altLang="en-US" dirty="0" smtClean="0"/>
-          </a:p>
-          <a:p>
-            <a:pPr eaLnBrk="1" hangingPunct="1"/>
-            <a:endParaRPr lang="en-US" altLang="en-US" dirty="0" smtClean="0"/>
+        <p:spPr>
+          <a:xfrm>
+            <a:off x="457200" y="1600201"/>
+            <a:ext cx="4191000" cy="2514600"/>
+          </a:xfrm>
+        </p:spPr>
+        <p:txBody>
+          <a:bodyPr>
+            <a:normAutofit fontScale="77500" lnSpcReduction="20000"/>
+          </a:bodyPr>
+          <a:lstStyle/>
+          <a:p>
+            <a:r>
+              <a:rPr lang="en-US" dirty="0" smtClean="0"/>
+              <a:t>Use the Duncan dataset to make a box-and-whiskers plot titled “Income by Job Type” wherein type is on the x axis, income is on the y axis, and the y axis runs from 0 to 100</a:t>
+            </a:r>
+            <a:endParaRPr lang="en-US" dirty="0"/>
+          </a:p>
+        </p:txBody>
+      </p:sp>
+      <p:sp>
+        <p:nvSpPr>
+          <p:cNvPr id="4" name="Slide Number Placeholder 3"/>
+          <p:cNvSpPr>
+            <a:spLocks noGrp="1"/>
+          </p:cNvSpPr>
+          <p:nvPr>
+            <p:ph type="sldNum" sz="quarter" idx="12"/>
+          </p:nvPr>
+        </p:nvSpPr>
+        <p:spPr/>
+        <p:txBody>
+          <a:bodyPr/>
+          <a:lstStyle/>
+          <a:p>
+            <a:fld id="{A8852445-E6DD-424C-957C-E3694D7E148C}" type="slidenum">
+              <a:rPr lang="en-US" smtClean="0"/>
+              <a:t>20</a:t>
+            </a:fld>
+            <a:endParaRPr lang="en-US"/>
+          </a:p>
+        </p:txBody>
+      </p:sp>
+      <p:sp>
+        <p:nvSpPr>
+          <p:cNvPr id="5" name="Rectangle 4"/>
+          <p:cNvSpPr/>
+          <p:nvPr/>
+        </p:nvSpPr>
+        <p:spPr>
+          <a:xfrm>
+            <a:off x="685800" y="4876800"/>
+            <a:ext cx="5181600" cy="646331"/>
+          </a:xfrm>
+          <a:prstGeom prst="rect">
+            <a:avLst/>
+          </a:prstGeom>
+        </p:spPr>
+        <p:txBody>
+          <a:bodyPr wrap="square">
+            <a:spAutoFit/>
+          </a:bodyPr>
+          <a:lstStyle/>
+          <a:p>
+            <a:r>
+              <a:rPr lang="en-US" dirty="0"/>
+              <a:t>plot(</a:t>
+            </a:r>
+            <a:r>
+              <a:rPr lang="en-US" dirty="0" err="1"/>
+              <a:t>Duncan$type</a:t>
+            </a:r>
+            <a:r>
+              <a:rPr lang="en-US" dirty="0"/>
+              <a:t>, </a:t>
+            </a:r>
+            <a:r>
+              <a:rPr lang="en-US" dirty="0" err="1"/>
+              <a:t>Duncan$income</a:t>
+            </a:r>
+            <a:r>
+              <a:rPr lang="en-US" dirty="0"/>
+              <a:t>, </a:t>
+            </a:r>
+            <a:r>
+              <a:rPr lang="en-US" dirty="0" err="1"/>
+              <a:t>ylim</a:t>
+            </a:r>
+            <a:r>
+              <a:rPr lang="en-US" dirty="0"/>
+              <a:t>=c(0, 100))</a:t>
+            </a:r>
+          </a:p>
+          <a:p>
+            <a:r>
+              <a:rPr lang="en-US" dirty="0" smtClean="0"/>
+              <a:t>title</a:t>
+            </a:r>
+            <a:r>
+              <a:rPr lang="en-US" dirty="0"/>
+              <a:t>("Income by Job Type")</a:t>
+            </a:r>
+          </a:p>
+        </p:txBody>
+      </p:sp>
+      <p:pic>
+        <p:nvPicPr>
+          <p:cNvPr id="7" name="Picture 6"/>
+          <p:cNvPicPr>
+            <a:picLocks noChangeAspect="1"/>
+          </p:cNvPicPr>
+          <p:nvPr/>
+        </p:nvPicPr>
+        <p:blipFill>
+          <a:blip r:embed="rId2"/>
+          <a:stretch>
+            <a:fillRect/>
+          </a:stretch>
+        </p:blipFill>
+        <p:spPr>
+          <a:xfrm>
+            <a:off x="4528442" y="1828800"/>
+            <a:ext cx="4129210" cy="2438400"/>
+          </a:xfrm>
+          <a:prstGeom prst="rect">
+            <a:avLst/>
+          </a:prstGeom>
+        </p:spPr>
+      </p:pic>
+      <p:sp>
+        <p:nvSpPr>
+          <p:cNvPr id="8" name="TextBox 7"/>
+          <p:cNvSpPr txBox="1"/>
+          <p:nvPr/>
+        </p:nvSpPr>
+        <p:spPr>
+          <a:xfrm>
+            <a:off x="5867400" y="5791200"/>
+            <a:ext cx="2165452" cy="369332"/>
+          </a:xfrm>
+          <a:prstGeom prst="rect">
+            <a:avLst/>
+          </a:prstGeom>
+          <a:noFill/>
+        </p:spPr>
+        <p:txBody>
+          <a:bodyPr wrap="none" rtlCol="0">
+            <a:spAutoFit/>
+          </a:bodyPr>
+          <a:lstStyle/>
+          <a:p>
+            <a:r>
+              <a:rPr lang="en-US" dirty="0" smtClean="0"/>
+              <a:t>(Bonus </a:t>
+            </a:r>
+            <a:r>
+              <a:rPr lang="en-US" dirty="0" smtClean="0"/>
+              <a:t>self-test</a:t>
+            </a:r>
+            <a:r>
+              <a:rPr lang="en-US" dirty="0" smtClean="0"/>
+              <a:t>: #15) </a:t>
+            </a:r>
+            <a:endParaRPr lang="en-US" dirty="0"/>
           </a:p>
         </p:txBody>
       </p:sp>
     </p:spTree>
     <p:extLst>
       <p:ext uri="{BB962C8B-B14F-4D97-AF65-F5344CB8AC3E}">
-        <p14:creationId xmlns:p14="http://schemas.microsoft.com/office/powerpoint/2010/main" val="1680721791"/>
+        <p14:creationId xmlns:p14="http://schemas.microsoft.com/office/powerpoint/2010/main" val="2707596238"/>
       </p:ext>
     </p:extLst>
   </p:cSld>
@@ -5576,9 +6498,80 @@
   <p:timing>
     <p:tnLst>
       <p:par>
-        <p:cTn id="1" dur="indefinite" restart="never" nodeType="tmRoot"/>
+        <p:cTn xmlns:p14="http://schemas.microsoft.com/office/powerpoint/2010/main" id="1" dur="indefinite" restart="never" nodeType="tmRoot">
+          <p:childTnLst>
+            <p:seq concurrent="1" nextAc="seek">
+              <p:cTn id="2" dur="indefinite" nodeType="mainSeq">
+                <p:childTnLst>
+                  <p:par>
+                    <p:cTn id="3" fill="hold">
+                      <p:stCondLst>
+                        <p:cond delay="indefinite"/>
+                      </p:stCondLst>
+                      <p:childTnLst>
+                        <p:par>
+                          <p:cTn id="4" fill="hold">
+                            <p:stCondLst>
+                              <p:cond delay="0"/>
+                            </p:stCondLst>
+                            <p:childTnLst>
+                              <p:par>
+                                <p:cTn id="5" presetID="1" presetClass="entr" presetSubtype="0" fill="hold" grpId="0" nodeType="clickEffect">
+                                  <p:stCondLst>
+                                    <p:cond delay="0"/>
+                                  </p:stCondLst>
+                                  <p:childTnLst>
+                                    <p:set>
+                                      <p:cBhvr>
+                                        <p:cTn id="6" dur="1" fill="hold">
+                                          <p:stCondLst>
+                                            <p:cond delay="0"/>
+                                          </p:stCondLst>
+                                        </p:cTn>
+                                        <p:tgtEl>
+                                          <p:spTgt spid="5"/>
+                                        </p:tgtEl>
+                                        <p:attrNameLst>
+                                          <p:attrName>style.visibility</p:attrName>
+                                        </p:attrNameLst>
+                                      </p:cBhvr>
+                                      <p:to>
+                                        <p:strVal val="visible"/>
+                                      </p:to>
+                                    </p:set>
+                                  </p:childTnLst>
+                                </p:cTn>
+                              </p:par>
+                            </p:childTnLst>
+                          </p:cTn>
+                        </p:par>
+                      </p:childTnLst>
+                    </p:cTn>
+                  </p:par>
+                </p:childTnLst>
+              </p:cTn>
+              <p:prevCondLst>
+                <p:cond evt="onPrev" delay="0">
+                  <p:tgtEl>
+                    <p:sldTgt/>
+                  </p:tgtEl>
+                </p:cond>
+              </p:prevCondLst>
+              <p:nextCondLst>
+                <p:cond evt="onNext" delay="0">
+                  <p:tgtEl>
+                    <p:sldTgt/>
+                  </p:tgtEl>
+                </p:cond>
+              </p:nextCondLst>
+            </p:seq>
+          </p:childTnLst>
+        </p:cTn>
       </p:par>
     </p:tnLst>
+    <p:bldLst>
+      <p:bldP spid="5" grpId="0"/>
+    </p:bldLst>
   </p:timing>
 </p:sld>
 </file>
@@ -5602,7 +6595,7 @@
       </p:grpSpPr>
       <p:sp>
         <p:nvSpPr>
-          <p:cNvPr id="37890" name="Title 1"/>
+          <p:cNvPr id="35842" name="Title 1"/>
           <p:cNvSpPr>
             <a:spLocks noGrp="1"/>
           </p:cNvSpPr>
@@ -5618,14 +6611,14 @@
             <a:pPr eaLnBrk="1" hangingPunct="1"/>
             <a:r>
               <a:rPr lang="en-US" altLang="en-US" smtClean="0"/>
-              <a:t>Plot income vs. prestige</a:t>
-            </a:r>
-          </a:p>
-        </p:txBody>
-      </p:sp>
-      <p:sp>
-        <p:nvSpPr>
-          <p:cNvPr id="37891" name="Content Placeholder 2"/>
+              <a:t>ggplot</a:t>
+            </a:r>
+          </a:p>
+        </p:txBody>
+      </p:sp>
+      <p:sp>
+        <p:nvSpPr>
+          <p:cNvPr id="35843" name="Content Placeholder 2"/>
           <p:cNvSpPr>
             <a:spLocks noGrp="1"/>
           </p:cNvSpPr>
@@ -5639,86 +6632,78 @@
           <a:lstStyle/>
           <a:p>
             <a:pPr eaLnBrk="1" hangingPunct="1"/>
-            <a:r>
-              <a:rPr lang="en-US" altLang="en-US" dirty="0" smtClean="0"/>
-              <a:t>Load the ggplot2 library</a:t>
-            </a:r>
-          </a:p>
-          <a:p>
-            <a:pPr lvl="1"/>
-            <a:r>
-              <a:rPr lang="en-US" altLang="en-US" dirty="0" smtClean="0"/>
-              <a:t>library(ggplot2)</a:t>
-            </a:r>
-          </a:p>
-          <a:p>
-            <a:pPr eaLnBrk="1" hangingPunct="1"/>
-            <a:r>
-              <a:rPr lang="en-US" altLang="en-US" dirty="0" smtClean="0"/>
-              <a:t>It will be easiest to start using </a:t>
-            </a:r>
-            <a:r>
-              <a:rPr lang="en-US" altLang="en-US" dirty="0" err="1" smtClean="0"/>
-              <a:t>qplot</a:t>
-            </a:r>
-            <a:r>
-              <a:rPr lang="en-US" altLang="en-US" dirty="0" smtClean="0"/>
-              <a:t>.  </a:t>
-            </a:r>
-            <a:r>
-              <a:rPr lang="en-US" altLang="en-US" dirty="0" err="1" smtClean="0"/>
-              <a:t>Qplot</a:t>
-            </a:r>
-            <a:r>
-              <a:rPr lang="en-US" altLang="en-US" dirty="0" smtClean="0"/>
-              <a:t> mimics plot(), but uses the </a:t>
-            </a:r>
             <a:r>
               <a:rPr lang="en-US" altLang="en-US" dirty="0" err="1" smtClean="0"/>
               <a:t>ggplot</a:t>
             </a:r>
             <a:r>
               <a:rPr lang="en-US" altLang="en-US" dirty="0" smtClean="0"/>
-              <a:t> layout engine.</a:t>
-            </a:r>
-          </a:p>
-          <a:p>
-            <a:pPr lvl="1" eaLnBrk="1" hangingPunct="1"/>
+              <a:t> is a whole different beast from base graphics</a:t>
+            </a:r>
+          </a:p>
+          <a:p>
+            <a:pPr eaLnBrk="1" hangingPunct="1"/>
             <a:r>
               <a:rPr lang="en-US" altLang="en-US" dirty="0" err="1" smtClean="0"/>
-              <a:t>qplot</a:t>
+              <a:t>ggplot</a:t>
             </a:r>
             <a:r>
               <a:rPr lang="en-US" altLang="en-US" dirty="0" smtClean="0"/>
-              <a:t>(</a:t>
+              <a:t> is like R itself – some work to get oriented, but powerful once you do</a:t>
+            </a:r>
+          </a:p>
+          <a:p>
+            <a:pPr eaLnBrk="1" hangingPunct="1"/>
+            <a:r>
+              <a:rPr lang="en-US" altLang="en-US" dirty="0" smtClean="0"/>
+              <a:t>You don't have to know </a:t>
             </a:r>
             <a:r>
               <a:rPr lang="en-US" altLang="en-US" dirty="0" err="1" smtClean="0"/>
-              <a:t>Duncan$income</a:t>
+              <a:t>ggplot</a:t>
             </a:r>
             <a:r>
               <a:rPr lang="en-US" altLang="en-US" dirty="0" smtClean="0"/>
-              <a:t>, </a:t>
-            </a:r>
-            <a:r>
-              <a:rPr lang="en-US" altLang="en-US" dirty="0" err="1" smtClean="0"/>
-              <a:t>Duncan$prestige</a:t>
-            </a:r>
-            <a:r>
-              <a:rPr lang="en-US" altLang="en-US" dirty="0" smtClean="0"/>
-              <a:t>)</a:t>
-            </a:r>
-          </a:p>
-          <a:p>
-            <a:pPr lvl="1" eaLnBrk="1" hangingPunct="1"/>
+              <a:t> to be successful using R</a:t>
+            </a:r>
+          </a:p>
+          <a:p>
+            <a:pPr eaLnBrk="1" hangingPunct="1"/>
             <a:endParaRPr lang="en-US" altLang="en-US" dirty="0" smtClean="0"/>
+          </a:p>
+          <a:p>
+            <a:pPr eaLnBrk="1" hangingPunct="1"/>
+            <a:endParaRPr lang="en-US" altLang="en-US" dirty="0" smtClean="0"/>
+          </a:p>
+        </p:txBody>
+      </p:sp>
+      <p:sp>
+        <p:nvSpPr>
+          <p:cNvPr id="2" name="Slide Number Placeholder 1"/>
+          <p:cNvSpPr>
+            <a:spLocks noGrp="1"/>
+          </p:cNvSpPr>
+          <p:nvPr>
+            <p:ph type="sldNum" sz="quarter" idx="12"/>
+          </p:nvPr>
+        </p:nvSpPr>
+        <p:spPr/>
+        <p:txBody>
+          <a:bodyPr/>
+          <a:lstStyle/>
+          <a:p>
+            <a:fld id="{A8852445-E6DD-424C-957C-E3694D7E148C}" type="slidenum">
+              <a:rPr lang="en-US" smtClean="0"/>
+              <a:t>21</a:t>
+            </a:fld>
+            <a:endParaRPr lang="en-US"/>
           </a:p>
         </p:txBody>
       </p:sp>
     </p:spTree>
     <p:extLst>
       <p:ext uri="{BB962C8B-B14F-4D97-AF65-F5344CB8AC3E}">
-        <p14:creationId xmlns:p14="http://schemas.microsoft.com/office/powerpoint/2010/main" val="3462689654"/>
+        <p14:creationId xmlns:p14="http://schemas.microsoft.com/office/powerpoint/2010/main" val="1680721791"/>
       </p:ext>
     </p:extLst>
   </p:cSld>
@@ -5728,7 +6713,7 @@
   <p:timing>
     <p:tnLst>
       <p:par>
-        <p:cTn id="1" dur="indefinite" restart="never" nodeType="tmRoot"/>
+        <p:cTn xmlns:p14="http://schemas.microsoft.com/office/powerpoint/2010/main" id="1" dur="indefinite" restart="never" nodeType="tmRoot"/>
       </p:par>
     </p:tnLst>
   </p:timing>
@@ -5754,7 +6739,7 @@
       </p:grpSpPr>
       <p:sp>
         <p:nvSpPr>
-          <p:cNvPr id="38914" name="Title 1"/>
+          <p:cNvPr id="37890" name="Title 1"/>
           <p:cNvSpPr>
             <a:spLocks noGrp="1"/>
           </p:cNvSpPr>
@@ -5770,63 +6755,130 @@
             <a:pPr eaLnBrk="1" hangingPunct="1"/>
             <a:r>
               <a:rPr lang="en-US" altLang="en-US" smtClean="0"/>
+              <a:t>Plot income vs. prestige</a:t>
+            </a:r>
+          </a:p>
+        </p:txBody>
+      </p:sp>
+      <p:sp>
+        <p:nvSpPr>
+          <p:cNvPr id="37891" name="Content Placeholder 2"/>
+          <p:cNvSpPr>
+            <a:spLocks noGrp="1"/>
+          </p:cNvSpPr>
+          <p:nvPr>
+            <p:ph idx="1"/>
+          </p:nvPr>
+        </p:nvSpPr>
+        <p:spPr/>
+        <p:txBody>
+          <a:bodyPr/>
+          <a:lstStyle/>
+          <a:p>
+            <a:pPr eaLnBrk="1" hangingPunct="1"/>
+            <a:r>
+              <a:rPr lang="en-US" altLang="en-US" dirty="0" smtClean="0"/>
+              <a:t>Load the ggplot2 library</a:t>
+            </a:r>
+          </a:p>
+          <a:p>
+            <a:pPr lvl="1"/>
+            <a:r>
+              <a:rPr lang="en-US" altLang="en-US" dirty="0" smtClean="0"/>
+              <a:t>library(ggplot2)</a:t>
+            </a:r>
+          </a:p>
+          <a:p>
+            <a:pPr eaLnBrk="1" hangingPunct="1"/>
+            <a:r>
+              <a:rPr lang="en-US" altLang="en-US" dirty="0" smtClean="0"/>
+              <a:t>It will be easiest to start using </a:t>
+            </a:r>
+            <a:r>
+              <a:rPr lang="en-US" altLang="en-US" dirty="0" err="1" smtClean="0"/>
+              <a:t>qplot</a:t>
+            </a:r>
+            <a:r>
+              <a:rPr lang="en-US" altLang="en-US" dirty="0" smtClean="0"/>
+              <a:t>.  </a:t>
+            </a:r>
+            <a:r>
+              <a:rPr lang="en-US" altLang="en-US" dirty="0" err="1" smtClean="0"/>
+              <a:t>Qplot</a:t>
+            </a:r>
+            <a:r>
+              <a:rPr lang="en-US" altLang="en-US" dirty="0" smtClean="0"/>
+              <a:t> mimics plot(), but uses the </a:t>
+            </a:r>
+            <a:r>
+              <a:rPr lang="en-US" altLang="en-US" dirty="0" err="1" smtClean="0"/>
               <a:t>ggplot</a:t>
             </a:r>
-          </a:p>
-        </p:txBody>
-      </p:sp>
-      <p:sp>
-        <p:nvSpPr>
-          <p:cNvPr id="38915" name="Content Placeholder 2"/>
-          <p:cNvSpPr>
-            <a:spLocks noGrp="1"/>
-          </p:cNvSpPr>
-          <p:nvPr>
-            <p:ph idx="1"/>
-          </p:nvPr>
-        </p:nvSpPr>
-        <p:spPr/>
-        <p:txBody>
-          <a:bodyPr/>
-          <a:lstStyle/>
-          <a:p>
-            <a:pPr eaLnBrk="1" hangingPunct="1"/>
-            <a:r>
-              <a:rPr lang="en-US" altLang="en-US" smtClean="0"/>
-              <a:t>qplot is the training wheels version of ggplot</a:t>
-            </a:r>
-          </a:p>
-          <a:p>
-            <a:pPr eaLnBrk="1" hangingPunct="1"/>
-            <a:r>
-              <a:rPr lang="en-US" altLang="en-US" smtClean="0"/>
-              <a:t>ggplot's syntax takes some getting used to.  Try this:</a:t>
+            <a:r>
+              <a:rPr lang="en-US" altLang="en-US" dirty="0" smtClean="0"/>
+              <a:t> layout engine.</a:t>
             </a:r>
           </a:p>
           <a:p>
             <a:pPr lvl="1" eaLnBrk="1" hangingPunct="1"/>
             <a:r>
-              <a:rPr lang="en-US" altLang="en-US" smtClean="0"/>
-              <a:t>ggplot(Duncan) + aes(x=income, y=prestige) + geom_point()</a:t>
+              <a:rPr lang="en-US" altLang="en-US" dirty="0" err="1" smtClean="0"/>
+              <a:t>qplot</a:t>
+            </a:r>
+            <a:r>
+              <a:rPr lang="en-US" altLang="en-US" dirty="0" smtClean="0"/>
+              <a:t>(</a:t>
+            </a:r>
+            <a:r>
+              <a:rPr lang="en-US" altLang="en-US" dirty="0" err="1" smtClean="0"/>
+              <a:t>Duncan$income</a:t>
+            </a:r>
+            <a:r>
+              <a:rPr lang="en-US" altLang="en-US" dirty="0" smtClean="0"/>
+              <a:t>, </a:t>
+            </a:r>
+            <a:r>
+              <a:rPr lang="en-US" altLang="en-US" dirty="0" err="1" smtClean="0"/>
+              <a:t>Duncan$prestige</a:t>
+            </a:r>
+            <a:r>
+              <a:rPr lang="en-US" altLang="en-US" dirty="0" smtClean="0"/>
+              <a:t>)</a:t>
             </a:r>
           </a:p>
           <a:p>
             <a:pPr lvl="1" eaLnBrk="1" hangingPunct="1"/>
-            <a:endParaRPr lang="en-US" altLang="en-US" smtClean="0"/>
-          </a:p>
-          <a:p>
-            <a:pPr eaLnBrk="1" hangingPunct="1"/>
-            <a:r>
-              <a:rPr lang="en-US" altLang="en-US" smtClean="0"/>
-              <a:t>Huh?  What are the pluses about?</a:t>
-            </a:r>
+            <a:endParaRPr lang="en-US" altLang="en-US" dirty="0" smtClean="0"/>
+          </a:p>
+        </p:txBody>
+      </p:sp>
+      <p:sp>
+        <p:nvSpPr>
+          <p:cNvPr id="2" name="Slide Number Placeholder 1"/>
+          <p:cNvSpPr>
+            <a:spLocks noGrp="1"/>
+          </p:cNvSpPr>
+          <p:nvPr>
+            <p:ph type="sldNum" sz="quarter" idx="12"/>
+          </p:nvPr>
+        </p:nvSpPr>
+        <p:spPr/>
+        <p:txBody>
+          <a:bodyPr/>
+          <a:lstStyle/>
+          <a:p>
+            <a:fld id="{A8852445-E6DD-424C-957C-E3694D7E148C}" type="slidenum">
+              <a:rPr lang="en-US" smtClean="0"/>
+              <a:t>22</a:t>
+            </a:fld>
+            <a:endParaRPr lang="en-US"/>
           </a:p>
         </p:txBody>
       </p:sp>
     </p:spTree>
     <p:extLst>
       <p:ext uri="{BB962C8B-B14F-4D97-AF65-F5344CB8AC3E}">
-        <p14:creationId xmlns:p14="http://schemas.microsoft.com/office/powerpoint/2010/main" val="3734525567"/>
+        <p14:creationId xmlns:p14="http://schemas.microsoft.com/office/powerpoint/2010/main" val="3462689654"/>
       </p:ext>
     </p:extLst>
   </p:cSld>
@@ -5836,7 +6888,7 @@
   <p:timing>
     <p:tnLst>
       <p:par>
-        <p:cTn id="1" dur="indefinite" restart="never" nodeType="tmRoot"/>
+        <p:cTn xmlns:p14="http://schemas.microsoft.com/office/powerpoint/2010/main" id="1" dur="indefinite" restart="never" nodeType="tmRoot"/>
       </p:par>
     </p:tnLst>
   </p:timing>
@@ -5862,7 +6914,7 @@
       </p:grpSpPr>
       <p:sp>
         <p:nvSpPr>
-          <p:cNvPr id="39938" name="Title 1"/>
+          <p:cNvPr id="38914" name="Title 1"/>
           <p:cNvSpPr>
             <a:spLocks noGrp="1"/>
           </p:cNvSpPr>
@@ -5878,14 +6930,14 @@
             <a:pPr eaLnBrk="1" hangingPunct="1"/>
             <a:r>
               <a:rPr lang="en-US" altLang="en-US" smtClean="0"/>
-              <a:t>ggplot syntax</a:t>
-            </a:r>
-          </a:p>
-        </p:txBody>
-      </p:sp>
-      <p:sp>
-        <p:nvSpPr>
-          <p:cNvPr id="39939" name="Content Placeholder 2"/>
+              <a:t>ggplot</a:t>
+            </a:r>
+          </a:p>
+        </p:txBody>
+      </p:sp>
+      <p:sp>
+        <p:nvSpPr>
+          <p:cNvPr id="38915" name="Content Placeholder 2"/>
           <p:cNvSpPr>
             <a:spLocks noGrp="1"/>
           </p:cNvSpPr>
@@ -5895,253 +6947,69 @@
         </p:nvSpPr>
         <p:spPr/>
         <p:txBody>
-          <a:bodyPr>
-            <a:normAutofit fontScale="77500" lnSpcReduction="20000"/>
-          </a:bodyPr>
+          <a:bodyPr/>
           <a:lstStyle/>
           <a:p>
             <a:pPr eaLnBrk="1" hangingPunct="1"/>
             <a:r>
-              <a:rPr lang="en-US" altLang="en-US" sz="2800" dirty="0" err="1" smtClean="0"/>
-              <a:t>ggplot</a:t>
-            </a:r>
-            <a:r>
-              <a:rPr lang="en-US" altLang="en-US" sz="2800" dirty="0" smtClean="0"/>
-              <a:t> objects are weird</a:t>
+              <a:rPr lang="en-US" altLang="en-US" smtClean="0"/>
+              <a:t>qplot is the training wheels version of ggplot</a:t>
             </a:r>
           </a:p>
           <a:p>
             <a:pPr eaLnBrk="1" hangingPunct="1"/>
             <a:r>
-              <a:rPr lang="en-US" altLang="en-US" sz="2800" dirty="0" smtClean="0"/>
-              <a:t>You execute them (like a command) to draw their plot</a:t>
-            </a:r>
+              <a:rPr lang="en-US" altLang="en-US" smtClean="0"/>
+              <a:t>ggplot's syntax takes some getting used to.  Try this:</a:t>
+            </a:r>
+          </a:p>
+          <a:p>
+            <a:pPr lvl="1" eaLnBrk="1" hangingPunct="1"/>
+            <a:r>
+              <a:rPr lang="en-US" altLang="en-US" smtClean="0"/>
+              <a:t>ggplot(Duncan) + aes(x=income, y=prestige) + geom_point()</a:t>
+            </a:r>
+          </a:p>
+          <a:p>
+            <a:pPr lvl="1" eaLnBrk="1" hangingPunct="1"/>
+            <a:endParaRPr lang="en-US" altLang="en-US" smtClean="0"/>
           </a:p>
           <a:p>
             <a:pPr eaLnBrk="1" hangingPunct="1"/>
             <a:r>
-              <a:rPr lang="en-US" altLang="en-US" sz="2800" dirty="0" smtClean="0"/>
-              <a:t>But you construct them by adding options to them</a:t>
-            </a:r>
-          </a:p>
-          <a:p>
-            <a:pPr eaLnBrk="1" hangingPunct="1"/>
-            <a:r>
-              <a:rPr lang="en-US" altLang="en-US" sz="2800" dirty="0" smtClean="0"/>
-              <a:t>Options specify data source, data columns, </a:t>
-            </a:r>
-            <a:r>
-              <a:rPr lang="en-US" altLang="en-US" sz="2800" dirty="0" err="1" smtClean="0"/>
-              <a:t>etc</a:t>
-            </a:r>
-            <a:r>
-              <a:rPr lang="en-US" altLang="en-US" sz="2800" dirty="0" smtClean="0"/>
-              <a:t>, resulting in code like this:</a:t>
-            </a:r>
-          </a:p>
-          <a:p>
-            <a:pPr marL="0" lvl="1" indent="0">
-              <a:buNone/>
-            </a:pPr>
-            <a:endParaRPr lang="en-US" altLang="en-US" dirty="0" smtClean="0"/>
-          </a:p>
-          <a:p>
-            <a:pPr marL="0" lvl="1" indent="0">
-              <a:buNone/>
-            </a:pPr>
-            <a:r>
-              <a:rPr lang="en-US" altLang="en-US" sz="2300" dirty="0" smtClean="0">
-                <a:latin typeface="Courier New" panose="02070309020205020404" pitchFamily="49" charset="0"/>
-                <a:cs typeface="Courier New" panose="02070309020205020404" pitchFamily="49" charset="0"/>
-              </a:rPr>
-              <a:t>p &lt;- </a:t>
-            </a:r>
-            <a:r>
-              <a:rPr lang="en-US" altLang="en-US" sz="2300" dirty="0" err="1" smtClean="0">
-                <a:latin typeface="Courier New" panose="02070309020205020404" pitchFamily="49" charset="0"/>
-                <a:cs typeface="Courier New" panose="02070309020205020404" pitchFamily="49" charset="0"/>
-              </a:rPr>
-              <a:t>ggplot</a:t>
-            </a:r>
-            <a:r>
-              <a:rPr lang="en-US" altLang="en-US" sz="2300" dirty="0" smtClean="0">
-                <a:latin typeface="Courier New" panose="02070309020205020404" pitchFamily="49" charset="0"/>
-                <a:cs typeface="Courier New" panose="02070309020205020404" pitchFamily="49" charset="0"/>
-              </a:rPr>
-              <a:t>(Duncan)</a:t>
-            </a:r>
-          </a:p>
-          <a:p>
-            <a:pPr marL="0" lvl="1" indent="0">
-              <a:buNone/>
-            </a:pPr>
-            <a:r>
-              <a:rPr lang="en-US" altLang="en-US" sz="2300" dirty="0" smtClean="0">
-                <a:latin typeface="Courier New" panose="02070309020205020404" pitchFamily="49" charset="0"/>
-                <a:cs typeface="Courier New" panose="02070309020205020404" pitchFamily="49" charset="0"/>
-              </a:rPr>
-              <a:t>p &lt;- p + </a:t>
-            </a:r>
-            <a:r>
-              <a:rPr lang="en-US" altLang="en-US" sz="2300" dirty="0" err="1" smtClean="0">
-                <a:latin typeface="Courier New" panose="02070309020205020404" pitchFamily="49" charset="0"/>
-                <a:cs typeface="Courier New" panose="02070309020205020404" pitchFamily="49" charset="0"/>
-              </a:rPr>
-              <a:t>aes</a:t>
-            </a:r>
-            <a:r>
-              <a:rPr lang="en-US" altLang="en-US" sz="2300" dirty="0" smtClean="0">
-                <a:latin typeface="Courier New" panose="02070309020205020404" pitchFamily="49" charset="0"/>
-                <a:cs typeface="Courier New" panose="02070309020205020404" pitchFamily="49" charset="0"/>
-              </a:rPr>
-              <a:t>(x=income, y=prestige, color=</a:t>
-            </a:r>
-            <a:r>
-              <a:rPr lang="en-US" altLang="en-US" sz="2300" dirty="0" err="1" smtClean="0">
-                <a:latin typeface="Courier New" panose="02070309020205020404" pitchFamily="49" charset="0"/>
-                <a:cs typeface="Courier New" panose="02070309020205020404" pitchFamily="49" charset="0"/>
-              </a:rPr>
-              <a:t>high_education</a:t>
-            </a:r>
-            <a:r>
-              <a:rPr lang="en-US" altLang="en-US" sz="2300" dirty="0" smtClean="0">
-                <a:latin typeface="Courier New" panose="02070309020205020404" pitchFamily="49" charset="0"/>
-                <a:cs typeface="Courier New" panose="02070309020205020404" pitchFamily="49" charset="0"/>
-              </a:rPr>
-              <a:t>)</a:t>
-            </a:r>
-          </a:p>
-          <a:p>
-            <a:pPr marL="0" lvl="1" indent="0">
-              <a:buNone/>
-            </a:pPr>
-            <a:r>
-              <a:rPr lang="en-US" altLang="en-US" sz="2300" dirty="0" smtClean="0">
-                <a:latin typeface="Courier New" panose="02070309020205020404" pitchFamily="49" charset="0"/>
-                <a:cs typeface="Courier New" panose="02070309020205020404" pitchFamily="49" charset="0"/>
-              </a:rPr>
-              <a:t>p + </a:t>
-            </a:r>
-            <a:r>
-              <a:rPr lang="en-US" altLang="en-US" sz="2300" dirty="0" err="1" smtClean="0">
-                <a:latin typeface="Courier New" panose="02070309020205020404" pitchFamily="49" charset="0"/>
-                <a:cs typeface="Courier New" panose="02070309020205020404" pitchFamily="49" charset="0"/>
-              </a:rPr>
-              <a:t>geom_point</a:t>
-            </a:r>
-            <a:r>
-              <a:rPr lang="en-US" altLang="en-US" sz="2300" dirty="0" smtClean="0">
-                <a:latin typeface="Courier New" panose="02070309020205020404" pitchFamily="49" charset="0"/>
-                <a:cs typeface="Courier New" panose="02070309020205020404" pitchFamily="49" charset="0"/>
-              </a:rPr>
-              <a:t>()</a:t>
-            </a:r>
-          </a:p>
-          <a:p>
-            <a:pPr eaLnBrk="1" hangingPunct="1"/>
-            <a:endParaRPr lang="en-US" altLang="en-US" dirty="0" smtClean="0"/>
-          </a:p>
-          <a:p>
-            <a:pPr eaLnBrk="1" hangingPunct="1"/>
-            <a:r>
-              <a:rPr lang="en-US" altLang="en-US" dirty="0" smtClean="0"/>
-              <a:t>All in one line is also okay:</a:t>
-            </a:r>
-          </a:p>
-          <a:p>
-            <a:pPr marL="0" indent="0" eaLnBrk="1" hangingPunct="1">
-              <a:buNone/>
-            </a:pPr>
-            <a:endParaRPr lang="en-US" altLang="en-US" sz="2100" dirty="0">
-              <a:latin typeface="Courier New" panose="02070309020205020404" pitchFamily="49" charset="0"/>
-              <a:cs typeface="Courier New" panose="02070309020205020404" pitchFamily="49" charset="0"/>
-            </a:endParaRPr>
-          </a:p>
-          <a:p>
-            <a:pPr marL="0" indent="0" eaLnBrk="1" hangingPunct="1">
-              <a:buNone/>
-            </a:pPr>
-            <a:r>
-              <a:rPr lang="en-US" altLang="en-US" sz="2100" dirty="0" err="1" smtClean="0">
-                <a:latin typeface="Courier New" panose="02070309020205020404" pitchFamily="49" charset="0"/>
-                <a:cs typeface="Courier New" panose="02070309020205020404" pitchFamily="49" charset="0"/>
-              </a:rPr>
-              <a:t>ggplot</a:t>
-            </a:r>
-            <a:r>
-              <a:rPr lang="en-US" altLang="en-US" sz="2100" dirty="0" smtClean="0">
-                <a:latin typeface="Courier New" panose="02070309020205020404" pitchFamily="49" charset="0"/>
-                <a:cs typeface="Courier New" panose="02070309020205020404" pitchFamily="49" charset="0"/>
-              </a:rPr>
-              <a:t>(Duncan</a:t>
-            </a:r>
-            <a:r>
-              <a:rPr lang="en-US" altLang="en-US" sz="2100" dirty="0">
-                <a:latin typeface="Courier New" panose="02070309020205020404" pitchFamily="49" charset="0"/>
-                <a:cs typeface="Courier New" panose="02070309020205020404" pitchFamily="49" charset="0"/>
-              </a:rPr>
-              <a:t>) + </a:t>
-            </a:r>
-            <a:r>
-              <a:rPr lang="en-US" altLang="en-US" sz="2100" dirty="0" err="1">
-                <a:latin typeface="Courier New" panose="02070309020205020404" pitchFamily="49" charset="0"/>
-                <a:cs typeface="Courier New" panose="02070309020205020404" pitchFamily="49" charset="0"/>
-              </a:rPr>
-              <a:t>aes</a:t>
-            </a:r>
-            <a:r>
-              <a:rPr lang="en-US" altLang="en-US" sz="2100" dirty="0">
-                <a:latin typeface="Courier New" panose="02070309020205020404" pitchFamily="49" charset="0"/>
-                <a:cs typeface="Courier New" panose="02070309020205020404" pitchFamily="49" charset="0"/>
-              </a:rPr>
-              <a:t>(x=income, </a:t>
-            </a:r>
-            <a:r>
-              <a:rPr lang="en-US" altLang="en-US" sz="2100" dirty="0" smtClean="0">
-                <a:latin typeface="Courier New" panose="02070309020205020404" pitchFamily="49" charset="0"/>
-                <a:cs typeface="Courier New" panose="02070309020205020404" pitchFamily="49" charset="0"/>
-              </a:rPr>
-              <a:t>y=prestige, color=</a:t>
-            </a:r>
-            <a:r>
-              <a:rPr lang="en-US" altLang="en-US" sz="2100" dirty="0" err="1" smtClean="0">
-                <a:latin typeface="Courier New" panose="02070309020205020404" pitchFamily="49" charset="0"/>
-                <a:cs typeface="Courier New" panose="02070309020205020404" pitchFamily="49" charset="0"/>
-              </a:rPr>
-              <a:t>high_education</a:t>
-            </a:r>
-            <a:r>
-              <a:rPr lang="en-US" altLang="en-US" sz="2100" dirty="0">
-                <a:latin typeface="Courier New" panose="02070309020205020404" pitchFamily="49" charset="0"/>
-                <a:cs typeface="Courier New" panose="02070309020205020404" pitchFamily="49" charset="0"/>
-              </a:rPr>
-              <a:t>) + </a:t>
-            </a:r>
-            <a:r>
-              <a:rPr lang="en-US" altLang="en-US" sz="2100" dirty="0" err="1">
-                <a:latin typeface="Courier New" panose="02070309020205020404" pitchFamily="49" charset="0"/>
-                <a:cs typeface="Courier New" panose="02070309020205020404" pitchFamily="49" charset="0"/>
-              </a:rPr>
-              <a:t>geom_point</a:t>
-            </a:r>
-            <a:r>
-              <a:rPr lang="en-US" altLang="en-US" sz="2100" dirty="0">
-                <a:latin typeface="Courier New" panose="02070309020205020404" pitchFamily="49" charset="0"/>
-                <a:cs typeface="Courier New" panose="02070309020205020404" pitchFamily="49" charset="0"/>
-              </a:rPr>
-              <a:t>()</a:t>
-            </a:r>
-            <a:endParaRPr lang="en-US" altLang="en-US" sz="2100" dirty="0" smtClean="0">
-              <a:latin typeface="Courier New" panose="02070309020205020404" pitchFamily="49" charset="0"/>
-              <a:cs typeface="Courier New" panose="02070309020205020404" pitchFamily="49" charset="0"/>
-            </a:endParaRPr>
+              <a:rPr lang="en-US" altLang="en-US" smtClean="0"/>
+              <a:t>Huh?  What are the pluses about?</a:t>
+            </a:r>
+          </a:p>
+        </p:txBody>
+      </p:sp>
+      <p:sp>
+        <p:nvSpPr>
+          <p:cNvPr id="2" name="Slide Number Placeholder 1"/>
+          <p:cNvSpPr>
+            <a:spLocks noGrp="1"/>
+          </p:cNvSpPr>
+          <p:nvPr>
+            <p:ph type="sldNum" sz="quarter" idx="12"/>
+          </p:nvPr>
+        </p:nvSpPr>
+        <p:spPr/>
+        <p:txBody>
+          <a:bodyPr/>
+          <a:lstStyle/>
+          <a:p>
+            <a:fld id="{A8852445-E6DD-424C-957C-E3694D7E148C}" type="slidenum">
+              <a:rPr lang="en-US" smtClean="0"/>
+              <a:t>23</a:t>
+            </a:fld>
+            <a:endParaRPr lang="en-US"/>
           </a:p>
         </p:txBody>
       </p:sp>
     </p:spTree>
     <p:extLst>
       <p:ext uri="{BB962C8B-B14F-4D97-AF65-F5344CB8AC3E}">
-        <p14:creationId xmlns:p14="http://schemas.microsoft.com/office/powerpoint/2010/main" val="1865907654"/>
+        <p14:creationId xmlns:p14="http://schemas.microsoft.com/office/powerpoint/2010/main" val="3734525567"/>
       </p:ext>
     </p:extLst>
   </p:cSld>
@@ -6151,7 +7019,7 @@
   <p:timing>
     <p:tnLst>
       <p:par>
-        <p:cTn id="1" dur="indefinite" restart="never" nodeType="tmRoot"/>
+        <p:cTn xmlns:p14="http://schemas.microsoft.com/office/powerpoint/2010/main" id="1" dur="indefinite" restart="never" nodeType="tmRoot"/>
       </p:par>
     </p:tnLst>
   </p:timing>
@@ -6177,7 +7045,7 @@
       </p:grpSpPr>
       <p:sp>
         <p:nvSpPr>
-          <p:cNvPr id="40962" name="Title 1"/>
+          <p:cNvPr id="39938" name="Title 1"/>
           <p:cNvSpPr>
             <a:spLocks noGrp="1"/>
           </p:cNvSpPr>
@@ -6193,14 +7061,14 @@
             <a:pPr eaLnBrk="1" hangingPunct="1"/>
             <a:r>
               <a:rPr lang="en-US" altLang="en-US" smtClean="0"/>
-              <a:t>Where ggplot shines</a:t>
-            </a:r>
-          </a:p>
-        </p:txBody>
-      </p:sp>
-      <p:sp>
-        <p:nvSpPr>
-          <p:cNvPr id="40963" name="Content Placeholder 2"/>
+              <a:t>ggplot syntax</a:t>
+            </a:r>
+          </a:p>
+        </p:txBody>
+      </p:sp>
+      <p:sp>
+        <p:nvSpPr>
+          <p:cNvPr id="39939" name="Content Placeholder 2"/>
           <p:cNvSpPr>
             <a:spLocks noGrp="1"/>
           </p:cNvSpPr>
@@ -6210,35 +7078,276 @@
         </p:nvSpPr>
         <p:spPr/>
         <p:txBody>
-          <a:bodyPr/>
+          <a:bodyPr>
+            <a:normAutofit fontScale="77500" lnSpcReduction="20000"/>
+          </a:bodyPr>
           <a:lstStyle/>
           <a:p>
             <a:pPr eaLnBrk="1" hangingPunct="1"/>
             <a:r>
-              <a:rPr lang="en-US" altLang="en-US" smtClean="0"/>
-              <a:t>In my opinion, it's harder to think about doing simple plots in ggplot</a:t>
+              <a:rPr lang="en-US" altLang="en-US" sz="2800" dirty="0" err="1" smtClean="0"/>
+              <a:t>ggplot</a:t>
+            </a:r>
+            <a:r>
+              <a:rPr lang="en-US" altLang="en-US" sz="2800" dirty="0" smtClean="0"/>
+              <a:t> objects are weird</a:t>
             </a:r>
           </a:p>
           <a:p>
             <a:pPr eaLnBrk="1" hangingPunct="1"/>
             <a:r>
-              <a:rPr lang="en-US" altLang="en-US" smtClean="0"/>
-              <a:t>But when I want to do something multi-faceted (e.g. with different colors, sizes, etc.), ggplot makes it really easy</a:t>
+              <a:rPr lang="en-US" altLang="en-US" sz="2800" dirty="0" smtClean="0"/>
+              <a:t>You execute them (like a command) to draw their plot</a:t>
             </a:r>
           </a:p>
           <a:p>
             <a:pPr eaLnBrk="1" hangingPunct="1"/>
             <a:r>
-              <a:rPr lang="en-US" altLang="en-US" smtClean="0"/>
-              <a:t>I use it a lot for to understand 3+-way relationships in data</a:t>
-            </a:r>
+              <a:rPr lang="en-US" altLang="en-US" sz="2800" dirty="0" smtClean="0"/>
+              <a:t>But you construct them by adding options to them</a:t>
+            </a:r>
+          </a:p>
+          <a:p>
+            <a:pPr eaLnBrk="1" hangingPunct="1"/>
+            <a:r>
+              <a:rPr lang="en-US" altLang="en-US" sz="2800" dirty="0" smtClean="0"/>
+              <a:t>Options specify data source, data columns, </a:t>
+            </a:r>
+            <a:r>
+              <a:rPr lang="en-US" altLang="en-US" sz="2800" dirty="0" err="1" smtClean="0"/>
+              <a:t>etc</a:t>
+            </a:r>
+            <a:r>
+              <a:rPr lang="en-US" altLang="en-US" sz="2800" dirty="0" smtClean="0"/>
+              <a:t>, resulting in code like this:</a:t>
+            </a:r>
+          </a:p>
+          <a:p>
+            <a:pPr marL="0" lvl="1" indent="0">
+              <a:buNone/>
+            </a:pPr>
+            <a:endParaRPr lang="en-US" altLang="en-US" dirty="0" smtClean="0"/>
+          </a:p>
+          <a:p>
+            <a:pPr marL="0" lvl="1" indent="0">
+              <a:buNone/>
+            </a:pPr>
+            <a:r>
+              <a:rPr lang="en-US" altLang="en-US" sz="2300" dirty="0" smtClean="0">
+                <a:latin typeface="Courier New" panose="02070309020205020404" pitchFamily="49" charset="0"/>
+                <a:cs typeface="Courier New" panose="02070309020205020404" pitchFamily="49" charset="0"/>
+              </a:rPr>
+              <a:t>p &lt;- </a:t>
+            </a:r>
+            <a:r>
+              <a:rPr lang="en-US" altLang="en-US" sz="2300" dirty="0" err="1" smtClean="0">
+                <a:latin typeface="Courier New" panose="02070309020205020404" pitchFamily="49" charset="0"/>
+                <a:cs typeface="Courier New" panose="02070309020205020404" pitchFamily="49" charset="0"/>
+              </a:rPr>
+              <a:t>ggplot</a:t>
+            </a:r>
+            <a:r>
+              <a:rPr lang="en-US" altLang="en-US" sz="2300" dirty="0" smtClean="0">
+                <a:latin typeface="Courier New" panose="02070309020205020404" pitchFamily="49" charset="0"/>
+                <a:cs typeface="Courier New" panose="02070309020205020404" pitchFamily="49" charset="0"/>
+              </a:rPr>
+              <a:t>(Duncan)</a:t>
+            </a:r>
+          </a:p>
+          <a:p>
+            <a:pPr marL="0" lvl="1" indent="0">
+              <a:buNone/>
+            </a:pPr>
+            <a:r>
+              <a:rPr lang="en-US" altLang="en-US" sz="2300" dirty="0" smtClean="0">
+                <a:latin typeface="Courier New" panose="02070309020205020404" pitchFamily="49" charset="0"/>
+                <a:cs typeface="Courier New" panose="02070309020205020404" pitchFamily="49" charset="0"/>
+              </a:rPr>
+              <a:t>p &lt;- p + </a:t>
+            </a:r>
+            <a:r>
+              <a:rPr lang="en-US" altLang="en-US" sz="2300" dirty="0" err="1" smtClean="0">
+                <a:latin typeface="Courier New" panose="02070309020205020404" pitchFamily="49" charset="0"/>
+                <a:cs typeface="Courier New" panose="02070309020205020404" pitchFamily="49" charset="0"/>
+              </a:rPr>
+              <a:t>aes</a:t>
+            </a:r>
+            <a:r>
+              <a:rPr lang="en-US" altLang="en-US" sz="2300" dirty="0" smtClean="0">
+                <a:latin typeface="Courier New" panose="02070309020205020404" pitchFamily="49" charset="0"/>
+                <a:cs typeface="Courier New" panose="02070309020205020404" pitchFamily="49" charset="0"/>
+              </a:rPr>
+              <a:t>(x=income, y=prestige, color=</a:t>
+            </a:r>
+            <a:r>
+              <a:rPr lang="en-US" altLang="en-US" sz="2300" dirty="0" err="1" smtClean="0">
+                <a:latin typeface="Courier New" panose="02070309020205020404" pitchFamily="49" charset="0"/>
+                <a:cs typeface="Courier New" panose="02070309020205020404" pitchFamily="49" charset="0"/>
+              </a:rPr>
+              <a:t>high_education</a:t>
+            </a:r>
+            <a:r>
+              <a:rPr lang="en-US" altLang="en-US" sz="2300" dirty="0" smtClean="0">
+                <a:latin typeface="Courier New" panose="02070309020205020404" pitchFamily="49" charset="0"/>
+                <a:cs typeface="Courier New" panose="02070309020205020404" pitchFamily="49" charset="0"/>
+              </a:rPr>
+              <a:t>)</a:t>
+            </a:r>
+          </a:p>
+          <a:p>
+            <a:pPr marL="0" lvl="1" indent="0">
+              <a:buNone/>
+            </a:pPr>
+            <a:r>
+              <a:rPr lang="en-US" altLang="en-US" sz="2300" dirty="0" smtClean="0">
+                <a:latin typeface="Courier New" panose="02070309020205020404" pitchFamily="49" charset="0"/>
+                <a:cs typeface="Courier New" panose="02070309020205020404" pitchFamily="49" charset="0"/>
+              </a:rPr>
+              <a:t>p + </a:t>
+            </a:r>
+            <a:r>
+              <a:rPr lang="en-US" altLang="en-US" sz="2300" dirty="0" err="1" smtClean="0">
+                <a:latin typeface="Courier New" panose="02070309020205020404" pitchFamily="49" charset="0"/>
+                <a:cs typeface="Courier New" panose="02070309020205020404" pitchFamily="49" charset="0"/>
+              </a:rPr>
+              <a:t>geom_point</a:t>
+            </a:r>
+            <a:r>
+              <a:rPr lang="en-US" altLang="en-US" sz="2300" dirty="0" smtClean="0">
+                <a:latin typeface="Courier New" panose="02070309020205020404" pitchFamily="49" charset="0"/>
+                <a:cs typeface="Courier New" panose="02070309020205020404" pitchFamily="49" charset="0"/>
+              </a:rPr>
+              <a:t>()</a:t>
+            </a:r>
+          </a:p>
+          <a:p>
+            <a:pPr eaLnBrk="1" hangingPunct="1"/>
+            <a:endParaRPr lang="en-US" altLang="en-US" dirty="0" smtClean="0"/>
+          </a:p>
+          <a:p>
+            <a:pPr eaLnBrk="1" hangingPunct="1"/>
+            <a:r>
+              <a:rPr lang="en-US" altLang="en-US" dirty="0" smtClean="0"/>
+              <a:t>All in one line is also okay:</a:t>
+            </a:r>
+          </a:p>
+          <a:p>
+            <a:pPr marL="0" indent="0" eaLnBrk="1" hangingPunct="1">
+              <a:buNone/>
+            </a:pPr>
+            <a:endParaRPr lang="en-US" altLang="en-US" sz="2100" dirty="0">
+              <a:latin typeface="Courier New" panose="02070309020205020404" pitchFamily="49" charset="0"/>
+              <a:cs typeface="Courier New" panose="02070309020205020404" pitchFamily="49" charset="0"/>
+            </a:endParaRPr>
+          </a:p>
+          <a:p>
+            <a:pPr marL="0" indent="0" eaLnBrk="1" hangingPunct="1">
+              <a:buNone/>
+            </a:pPr>
+            <a:r>
+              <a:rPr lang="en-US" altLang="en-US" sz="2100" dirty="0" err="1" smtClean="0">
+                <a:latin typeface="Courier New" panose="02070309020205020404" pitchFamily="49" charset="0"/>
+                <a:cs typeface="Courier New" panose="02070309020205020404" pitchFamily="49" charset="0"/>
+              </a:rPr>
+              <a:t>ggplot</a:t>
+            </a:r>
+            <a:r>
+              <a:rPr lang="en-US" altLang="en-US" sz="2100" dirty="0" smtClean="0">
+                <a:latin typeface="Courier New" panose="02070309020205020404" pitchFamily="49" charset="0"/>
+                <a:cs typeface="Courier New" panose="02070309020205020404" pitchFamily="49" charset="0"/>
+              </a:rPr>
+              <a:t>(Duncan</a:t>
+            </a:r>
+            <a:r>
+              <a:rPr lang="en-US" altLang="en-US" sz="2100" dirty="0">
+                <a:latin typeface="Courier New" panose="02070309020205020404" pitchFamily="49" charset="0"/>
+                <a:cs typeface="Courier New" panose="02070309020205020404" pitchFamily="49" charset="0"/>
+              </a:rPr>
+              <a:t>) + </a:t>
+            </a:r>
+            <a:r>
+              <a:rPr lang="en-US" altLang="en-US" sz="2100" dirty="0" err="1">
+                <a:latin typeface="Courier New" panose="02070309020205020404" pitchFamily="49" charset="0"/>
+                <a:cs typeface="Courier New" panose="02070309020205020404" pitchFamily="49" charset="0"/>
+              </a:rPr>
+              <a:t>aes</a:t>
+            </a:r>
+            <a:r>
+              <a:rPr lang="en-US" altLang="en-US" sz="2100" dirty="0">
+                <a:latin typeface="Courier New" panose="02070309020205020404" pitchFamily="49" charset="0"/>
+                <a:cs typeface="Courier New" panose="02070309020205020404" pitchFamily="49" charset="0"/>
+              </a:rPr>
+              <a:t>(x=income, </a:t>
+            </a:r>
+            <a:r>
+              <a:rPr lang="en-US" altLang="en-US" sz="2100" dirty="0" smtClean="0">
+                <a:latin typeface="Courier New" panose="02070309020205020404" pitchFamily="49" charset="0"/>
+                <a:cs typeface="Courier New" panose="02070309020205020404" pitchFamily="49" charset="0"/>
+              </a:rPr>
+              <a:t>y=prestige, color=</a:t>
+            </a:r>
+            <a:r>
+              <a:rPr lang="en-US" altLang="en-US" sz="2100" dirty="0" err="1" smtClean="0">
+                <a:latin typeface="Courier New" panose="02070309020205020404" pitchFamily="49" charset="0"/>
+                <a:cs typeface="Courier New" panose="02070309020205020404" pitchFamily="49" charset="0"/>
+              </a:rPr>
+              <a:t>high_education</a:t>
+            </a:r>
+            <a:r>
+              <a:rPr lang="en-US" altLang="en-US" sz="2100" dirty="0">
+                <a:latin typeface="Courier New" panose="02070309020205020404" pitchFamily="49" charset="0"/>
+                <a:cs typeface="Courier New" panose="02070309020205020404" pitchFamily="49" charset="0"/>
+              </a:rPr>
+              <a:t>) + </a:t>
+            </a:r>
+            <a:r>
+              <a:rPr lang="en-US" altLang="en-US" sz="2100" dirty="0" err="1">
+                <a:latin typeface="Courier New" panose="02070309020205020404" pitchFamily="49" charset="0"/>
+                <a:cs typeface="Courier New" panose="02070309020205020404" pitchFamily="49" charset="0"/>
+              </a:rPr>
+              <a:t>geom_point</a:t>
+            </a:r>
+            <a:r>
+              <a:rPr lang="en-US" altLang="en-US" sz="2100" dirty="0">
+                <a:latin typeface="Courier New" panose="02070309020205020404" pitchFamily="49" charset="0"/>
+                <a:cs typeface="Courier New" panose="02070309020205020404" pitchFamily="49" charset="0"/>
+              </a:rPr>
+              <a:t>()</a:t>
+            </a:r>
+            <a:endParaRPr lang="en-US" altLang="en-US" sz="2100" dirty="0" smtClean="0">
+              <a:latin typeface="Courier New" panose="02070309020205020404" pitchFamily="49" charset="0"/>
+              <a:cs typeface="Courier New" panose="02070309020205020404" pitchFamily="49" charset="0"/>
+            </a:endParaRPr>
+          </a:p>
+        </p:txBody>
+      </p:sp>
+      <p:sp>
+        <p:nvSpPr>
+          <p:cNvPr id="2" name="Slide Number Placeholder 1"/>
+          <p:cNvSpPr>
+            <a:spLocks noGrp="1"/>
+          </p:cNvSpPr>
+          <p:nvPr>
+            <p:ph type="sldNum" sz="quarter" idx="12"/>
+          </p:nvPr>
+        </p:nvSpPr>
+        <p:spPr/>
+        <p:txBody>
+          <a:bodyPr/>
+          <a:lstStyle/>
+          <a:p>
+            <a:fld id="{A8852445-E6DD-424C-957C-E3694D7E148C}" type="slidenum">
+              <a:rPr lang="en-US" smtClean="0"/>
+              <a:t>24</a:t>
+            </a:fld>
+            <a:endParaRPr lang="en-US"/>
           </a:p>
         </p:txBody>
       </p:sp>
     </p:spTree>
     <p:extLst>
       <p:ext uri="{BB962C8B-B14F-4D97-AF65-F5344CB8AC3E}">
-        <p14:creationId xmlns:p14="http://schemas.microsoft.com/office/powerpoint/2010/main" val="1944855799"/>
+        <p14:creationId xmlns:p14="http://schemas.microsoft.com/office/powerpoint/2010/main" val="1865907654"/>
       </p:ext>
     </p:extLst>
   </p:cSld>
@@ -6248,7 +7357,7 @@
   <p:timing>
     <p:tnLst>
       <p:par>
-        <p:cTn id="1" dur="indefinite" restart="never" nodeType="tmRoot"/>
+        <p:cTn xmlns:p14="http://schemas.microsoft.com/office/powerpoint/2010/main" id="1" dur="indefinite" restart="never" nodeType="tmRoot"/>
       </p:par>
     </p:tnLst>
   </p:timing>
@@ -6274,6 +7383,126 @@
       </p:grpSpPr>
       <p:sp>
         <p:nvSpPr>
+          <p:cNvPr id="40962" name="Title 1"/>
+          <p:cNvSpPr>
+            <a:spLocks noGrp="1"/>
+          </p:cNvSpPr>
+          <p:nvPr>
+            <p:ph type="title"/>
+          </p:nvPr>
+        </p:nvSpPr>
+        <p:spPr/>
+        <p:txBody>
+          <a:bodyPr/>
+          <a:lstStyle/>
+          <a:p>
+            <a:pPr eaLnBrk="1" hangingPunct="1"/>
+            <a:r>
+              <a:rPr lang="en-US" altLang="en-US" smtClean="0"/>
+              <a:t>Where ggplot shines</a:t>
+            </a:r>
+          </a:p>
+        </p:txBody>
+      </p:sp>
+      <p:sp>
+        <p:nvSpPr>
+          <p:cNvPr id="40963" name="Content Placeholder 2"/>
+          <p:cNvSpPr>
+            <a:spLocks noGrp="1"/>
+          </p:cNvSpPr>
+          <p:nvPr>
+            <p:ph idx="1"/>
+          </p:nvPr>
+        </p:nvSpPr>
+        <p:spPr/>
+        <p:txBody>
+          <a:bodyPr/>
+          <a:lstStyle/>
+          <a:p>
+            <a:pPr eaLnBrk="1" hangingPunct="1"/>
+            <a:r>
+              <a:rPr lang="en-US" altLang="en-US" smtClean="0"/>
+              <a:t>In my opinion, it's harder to think about doing simple plots in ggplot</a:t>
+            </a:r>
+          </a:p>
+          <a:p>
+            <a:pPr eaLnBrk="1" hangingPunct="1"/>
+            <a:r>
+              <a:rPr lang="en-US" altLang="en-US" smtClean="0"/>
+              <a:t>But when I want to do something multi-faceted (e.g. with different colors, sizes, etc.), ggplot makes it really easy</a:t>
+            </a:r>
+          </a:p>
+          <a:p>
+            <a:pPr eaLnBrk="1" hangingPunct="1"/>
+            <a:r>
+              <a:rPr lang="en-US" altLang="en-US" smtClean="0"/>
+              <a:t>I use it a lot for to understand 3+-way relationships in data</a:t>
+            </a:r>
+          </a:p>
+        </p:txBody>
+      </p:sp>
+      <p:sp>
+        <p:nvSpPr>
+          <p:cNvPr id="2" name="Slide Number Placeholder 1"/>
+          <p:cNvSpPr>
+            <a:spLocks noGrp="1"/>
+          </p:cNvSpPr>
+          <p:nvPr>
+            <p:ph type="sldNum" sz="quarter" idx="12"/>
+          </p:nvPr>
+        </p:nvSpPr>
+        <p:spPr/>
+        <p:txBody>
+          <a:bodyPr/>
+          <a:lstStyle/>
+          <a:p>
+            <a:fld id="{A8852445-E6DD-424C-957C-E3694D7E148C}" type="slidenum">
+              <a:rPr lang="en-US" smtClean="0"/>
+              <a:t>25</a:t>
+            </a:fld>
+            <a:endParaRPr lang="en-US"/>
+          </a:p>
+        </p:txBody>
+      </p:sp>
+    </p:spTree>
+    <p:extLst>
+      <p:ext uri="{BB962C8B-B14F-4D97-AF65-F5344CB8AC3E}">
+        <p14:creationId xmlns:p14="http://schemas.microsoft.com/office/powerpoint/2010/main" val="1944855799"/>
+      </p:ext>
+    </p:extLst>
+  </p:cSld>
+  <p:clrMapOvr>
+    <a:masterClrMapping/>
+  </p:clrMapOvr>
+  <p:timing>
+    <p:tnLst>
+      <p:par>
+        <p:cTn xmlns:p14="http://schemas.microsoft.com/office/powerpoint/2010/main" id="1" dur="indefinite" restart="never" nodeType="tmRoot"/>
+      </p:par>
+    </p:tnLst>
+  </p:timing>
+</p:sld>
+</file>
+
+<file path=ppt/slides/slide26.xml><?xml version="1.0" encoding="utf-8"?>
+<p:sld xmlns:a="http://schemas.openxmlformats.org/drawingml/2006/main" xmlns:r="http://schemas.openxmlformats.org/officeDocument/2006/relationships" xmlns:p="http://schemas.openxmlformats.org/presentationml/2006/main">
+  <p:cSld>
+    <p:spTree>
+      <p:nvGrpSpPr>
+        <p:cNvPr id="1" name=""/>
+        <p:cNvGrpSpPr/>
+        <p:nvPr/>
+      </p:nvGrpSpPr>
+      <p:grpSpPr>
+        <a:xfrm>
+          <a:off x="0" y="0"/>
+          <a:ext cx="0" cy="0"/>
+          <a:chOff x="0" y="0"/>
+          <a:chExt cx="0" cy="0"/>
+        </a:xfrm>
+      </p:grpSpPr>
+      <p:sp>
+        <p:nvSpPr>
           <p:cNvPr id="2" name="Title 1"/>
           <p:cNvSpPr>
             <a:spLocks noGrp="1"/>
@@ -6415,8 +7644,8 @@
         </p:nvSpPr>
         <p:spPr>
           <a:xfrm>
-            <a:off x="5867400" y="6183868"/>
-            <a:ext cx="3206006" cy="369332"/>
+            <a:off x="5562600" y="6019800"/>
+            <a:ext cx="3356921" cy="369332"/>
           </a:xfrm>
           <a:prstGeom prst="rect">
             <a:avLst/>
@@ -6431,13 +7660,40 @@
           <a:p>
             <a:r>
               <a:rPr lang="en-US" dirty="0" smtClean="0"/>
-              <a:t>Bonus self-test: </a:t>
-            </a:r>
-            <a:r>
-              <a:rPr lang="en-US" smtClean="0"/>
-              <a:t>graphics self-test</a:t>
+              <a:t>(Bonus </a:t>
+            </a:r>
+            <a:r>
+              <a:rPr lang="en-US" dirty="0" smtClean="0"/>
+              <a:t>self-test: graphics self-</a:t>
+            </a:r>
+            <a:r>
+              <a:rPr lang="en-US" dirty="0" smtClean="0"/>
+              <a:t>test)</a:t>
             </a:r>
             <a:endParaRPr lang="en-US" dirty="0"/>
+          </a:p>
+        </p:txBody>
+      </p:sp>
+      <p:sp>
+        <p:nvSpPr>
+          <p:cNvPr id="6" name="Slide Number Placeholder 5"/>
+          <p:cNvSpPr>
+            <a:spLocks noGrp="1"/>
+          </p:cNvSpPr>
+          <p:nvPr>
+            <p:ph type="sldNum" sz="quarter" idx="12"/>
+          </p:nvPr>
+        </p:nvSpPr>
+        <p:spPr/>
+        <p:txBody>
+          <a:bodyPr/>
+          <a:lstStyle/>
+          <a:p>
+            <a:fld id="{A8852445-E6DD-424C-957C-E3694D7E148C}" type="slidenum">
+              <a:rPr lang="en-US" smtClean="0"/>
+              <a:t>26</a:t>
+            </a:fld>
+            <a:endParaRPr lang="en-US"/>
           </a:p>
         </p:txBody>
       </p:sp>
@@ -6454,7 +7710,7 @@
   <p:timing>
     <p:tnLst>
       <p:par>
-        <p:cTn id="1" dur="indefinite" restart="never" nodeType="tmRoot"/>
+        <p:cTn xmlns:p14="http://schemas.microsoft.com/office/powerpoint/2010/main" id="1" dur="indefinite" restart="never" nodeType="tmRoot"/>
       </p:par>
     </p:tnLst>
   </p:timing>
@@ -6581,6 +7837,29 @@
           </a:p>
         </p:txBody>
       </p:sp>
+      <p:sp>
+        <p:nvSpPr>
+          <p:cNvPr id="4" name="Slide Number Placeholder 3"/>
+          <p:cNvSpPr>
+            <a:spLocks noGrp="1"/>
+          </p:cNvSpPr>
+          <p:nvPr>
+            <p:ph type="sldNum" sz="quarter" idx="12"/>
+          </p:nvPr>
+        </p:nvSpPr>
+        <p:spPr/>
+        <p:txBody>
+          <a:bodyPr/>
+          <a:lstStyle/>
+          <a:p>
+            <a:fld id="{A8852445-E6DD-424C-957C-E3694D7E148C}" type="slidenum">
+              <a:rPr lang="en-US" smtClean="0"/>
+              <a:t>3</a:t>
+            </a:fld>
+            <a:endParaRPr lang="en-US"/>
+          </a:p>
+        </p:txBody>
+      </p:sp>
     </p:spTree>
     <p:extLst>
       <p:ext uri="{BB962C8B-B14F-4D97-AF65-F5344CB8AC3E}">
@@ -6594,7 +7873,7 @@
   <p:timing>
     <p:tnLst>
       <p:par>
-        <p:cTn id="1" dur="indefinite" restart="never" nodeType="tmRoot"/>
+        <p:cTn xmlns:p14="http://schemas.microsoft.com/office/powerpoint/2010/main" id="1" dur="indefinite" restart="never" nodeType="tmRoot"/>
       </p:par>
     </p:tnLst>
   </p:timing>
@@ -6852,14 +8131,14 @@
           </a:ln>
           <a:effectLst/>
           <a:extLst>
-            <a:ext uri="{909E8E84-426E-40DD-AFC4-6F175D3DCCD1}">
+            <a:ext uri="{909E8E84-426E-40dd-AFC4-6F175D3DCCD1}">
               <a14:hiddenFill xmlns:a14="http://schemas.microsoft.com/office/drawing/2010/main">
                 <a:solidFill>
                   <a:schemeClr val="accent1"/>
                 </a:solidFill>
               </a14:hiddenFill>
             </a:ext>
-            <a:ext uri="{91240B29-F687-4F45-9708-019B960494DF}">
+            <a:ext uri="{91240B29-F687-4f45-9708-019B960494DF}">
               <a14:hiddenLine xmlns:a14="http://schemas.microsoft.com/office/drawing/2010/main" w="9525">
                 <a:solidFill>
                   <a:schemeClr val="tx1"/>
@@ -6869,7 +8148,7 @@
                 <a:tailEnd/>
               </a14:hiddenLine>
             </a:ext>
-            <a:ext uri="{AF507438-7753-43E0-B8FC-AC1667EBCBE1}">
+            <a:ext uri="{AF507438-7753-43e0-B8FC-AC1667EBCBE1}">
               <a14:hiddenEffects xmlns:a14="http://schemas.microsoft.com/office/drawing/2010/main">
                 <a:effectLst>
                   <a:outerShdw dist="35921" dir="2700000" algn="ctr" rotWithShape="0">
@@ -6881,6 +8160,29 @@
           </a:extLst>
         </p:spPr>
       </p:pic>
+      <p:sp>
+        <p:nvSpPr>
+          <p:cNvPr id="4" name="Slide Number Placeholder 3"/>
+          <p:cNvSpPr>
+            <a:spLocks noGrp="1"/>
+          </p:cNvSpPr>
+          <p:nvPr>
+            <p:ph type="sldNum" sz="quarter" idx="12"/>
+          </p:nvPr>
+        </p:nvSpPr>
+        <p:spPr/>
+        <p:txBody>
+          <a:bodyPr/>
+          <a:lstStyle/>
+          <a:p>
+            <a:fld id="{A8852445-E6DD-424C-957C-E3694D7E148C}" type="slidenum">
+              <a:rPr lang="en-US" smtClean="0"/>
+              <a:t>4</a:t>
+            </a:fld>
+            <a:endParaRPr lang="en-US"/>
+          </a:p>
+        </p:txBody>
+      </p:sp>
     </p:spTree>
     <p:extLst>
       <p:ext uri="{BB962C8B-B14F-4D97-AF65-F5344CB8AC3E}">
@@ -6894,7 +8196,7 @@
   <p:timing>
     <p:tnLst>
       <p:par>
-        <p:cTn id="1" dur="indefinite" restart="never" nodeType="tmRoot"/>
+        <p:cTn xmlns:p14="http://schemas.microsoft.com/office/powerpoint/2010/main" id="1" dur="indefinite" restart="never" nodeType="tmRoot"/>
       </p:par>
     </p:tnLst>
   </p:timing>
@@ -7129,6 +8431,29 @@
           </a:p>
         </p:txBody>
       </p:sp>
+      <p:sp>
+        <p:nvSpPr>
+          <p:cNvPr id="4" name="Slide Number Placeholder 3"/>
+          <p:cNvSpPr>
+            <a:spLocks noGrp="1"/>
+          </p:cNvSpPr>
+          <p:nvPr>
+            <p:ph type="sldNum" sz="quarter" idx="12"/>
+          </p:nvPr>
+        </p:nvSpPr>
+        <p:spPr/>
+        <p:txBody>
+          <a:bodyPr/>
+          <a:lstStyle/>
+          <a:p>
+            <a:fld id="{A8852445-E6DD-424C-957C-E3694D7E148C}" type="slidenum">
+              <a:rPr lang="en-US" smtClean="0"/>
+              <a:t>5</a:t>
+            </a:fld>
+            <a:endParaRPr lang="en-US"/>
+          </a:p>
+        </p:txBody>
+      </p:sp>
     </p:spTree>
     <p:extLst>
       <p:ext uri="{BB962C8B-B14F-4D97-AF65-F5344CB8AC3E}">
@@ -7142,7 +8467,7 @@
   <p:timing>
     <p:tnLst>
       <p:par>
-        <p:cTn id="1" dur="indefinite" restart="never" nodeType="tmRoot"/>
+        <p:cTn xmlns:p14="http://schemas.microsoft.com/office/powerpoint/2010/main" id="1" dur="indefinite" restart="never" nodeType="tmRoot"/>
       </p:par>
     </p:tnLst>
   </p:timing>
@@ -7407,14 +8732,14 @@
           </a:ln>
           <a:effectLst/>
           <a:extLst>
-            <a:ext uri="{909E8E84-426E-40DD-AFC4-6F175D3DCCD1}">
+            <a:ext uri="{909E8E84-426E-40dd-AFC4-6F175D3DCCD1}">
               <a14:hiddenFill xmlns:a14="http://schemas.microsoft.com/office/drawing/2010/main">
                 <a:solidFill>
                   <a:schemeClr val="accent1"/>
                 </a:solidFill>
               </a14:hiddenFill>
             </a:ext>
-            <a:ext uri="{91240B29-F687-4F45-9708-019B960494DF}">
+            <a:ext uri="{91240B29-F687-4f45-9708-019B960494DF}">
               <a14:hiddenLine xmlns:a14="http://schemas.microsoft.com/office/drawing/2010/main" w="9525">
                 <a:solidFill>
                   <a:schemeClr val="tx1"/>
@@ -7424,7 +8749,7 @@
                 <a:tailEnd/>
               </a14:hiddenLine>
             </a:ext>
-            <a:ext uri="{AF507438-7753-43E0-B8FC-AC1667EBCBE1}">
+            <a:ext uri="{AF507438-7753-43e0-B8FC-AC1667EBCBE1}">
               <a14:hiddenEffects xmlns:a14="http://schemas.microsoft.com/office/drawing/2010/main">
                 <a:effectLst>
                   <a:outerShdw dist="35921" dir="2700000" algn="ctr" rotWithShape="0">
@@ -7436,6 +8761,29 @@
           </a:extLst>
         </p:spPr>
       </p:pic>
+      <p:sp>
+        <p:nvSpPr>
+          <p:cNvPr id="4" name="Slide Number Placeholder 3"/>
+          <p:cNvSpPr>
+            <a:spLocks noGrp="1"/>
+          </p:cNvSpPr>
+          <p:nvPr>
+            <p:ph type="sldNum" sz="quarter" idx="12"/>
+          </p:nvPr>
+        </p:nvSpPr>
+        <p:spPr/>
+        <p:txBody>
+          <a:bodyPr/>
+          <a:lstStyle/>
+          <a:p>
+            <a:fld id="{A8852445-E6DD-424C-957C-E3694D7E148C}" type="slidenum">
+              <a:rPr lang="en-US" smtClean="0"/>
+              <a:t>6</a:t>
+            </a:fld>
+            <a:endParaRPr lang="en-US"/>
+          </a:p>
+        </p:txBody>
+      </p:sp>
     </p:spTree>
     <p:extLst>
       <p:ext uri="{BB962C8B-B14F-4D97-AF65-F5344CB8AC3E}">
@@ -7449,7 +8797,7 @@
   <p:timing>
     <p:tnLst>
       <p:par>
-        <p:cTn id="1" dur="indefinite" restart="never" nodeType="tmRoot"/>
+        <p:cTn xmlns:p14="http://schemas.microsoft.com/office/powerpoint/2010/main" id="1" dur="indefinite" restart="never" nodeType="tmRoot"/>
       </p:par>
     </p:tnLst>
   </p:timing>
@@ -7562,7 +8910,7 @@
                   <a:buNone/>
                 </a:pPr>
                 <a14:m>
-                  <m:oMathPara xmlns:m="http://schemas.openxmlformats.org/officeDocument/2006/math">
+                  <m:oMathPara xmlns:m="http://schemas.openxmlformats.org/officeDocument/2006/math" xmlns="">
                     <m:oMathParaPr>
                       <m:jc m:val="centerGroup"/>
                     </m:oMathParaPr>
@@ -7875,6 +9223,29 @@
           </p:sp>
         </mc:Fallback>
       </mc:AlternateContent>
+      <p:sp>
+        <p:nvSpPr>
+          <p:cNvPr id="4" name="Slide Number Placeholder 3"/>
+          <p:cNvSpPr>
+            <a:spLocks noGrp="1"/>
+          </p:cNvSpPr>
+          <p:nvPr>
+            <p:ph type="sldNum" sz="quarter" idx="12"/>
+          </p:nvPr>
+        </p:nvSpPr>
+        <p:spPr/>
+        <p:txBody>
+          <a:bodyPr/>
+          <a:lstStyle/>
+          <a:p>
+            <a:fld id="{A8852445-E6DD-424C-957C-E3694D7E148C}" type="slidenum">
+              <a:rPr lang="en-US" smtClean="0"/>
+              <a:t>7</a:t>
+            </a:fld>
+            <a:endParaRPr lang="en-US"/>
+          </a:p>
+        </p:txBody>
+      </p:sp>
     </p:spTree>
     <p:extLst>
       <p:ext uri="{BB962C8B-B14F-4D97-AF65-F5344CB8AC3E}">
@@ -7888,7 +9259,7 @@
   <p:timing>
     <p:tnLst>
       <p:par>
-        <p:cTn id="1" dur="indefinite" restart="never" nodeType="tmRoot"/>
+        <p:cTn xmlns:p14="http://schemas.microsoft.com/office/powerpoint/2010/main" id="1" dur="indefinite" restart="never" nodeType="tmRoot"/>
       </p:par>
     </p:tnLst>
   </p:timing>
@@ -8094,6 +9465,29 @@
           </a:p>
         </p:txBody>
       </p:sp>
+      <p:sp>
+        <p:nvSpPr>
+          <p:cNvPr id="4" name="Slide Number Placeholder 3"/>
+          <p:cNvSpPr>
+            <a:spLocks noGrp="1"/>
+          </p:cNvSpPr>
+          <p:nvPr>
+            <p:ph type="sldNum" sz="quarter" idx="12"/>
+          </p:nvPr>
+        </p:nvSpPr>
+        <p:spPr/>
+        <p:txBody>
+          <a:bodyPr/>
+          <a:lstStyle/>
+          <a:p>
+            <a:fld id="{A8852445-E6DD-424C-957C-E3694D7E148C}" type="slidenum">
+              <a:rPr lang="en-US" smtClean="0"/>
+              <a:t>8</a:t>
+            </a:fld>
+            <a:endParaRPr lang="en-US"/>
+          </a:p>
+        </p:txBody>
+      </p:sp>
     </p:spTree>
     <p:extLst>
       <p:ext uri="{BB962C8B-B14F-4D97-AF65-F5344CB8AC3E}">
@@ -8107,7 +9501,7 @@
   <p:timing>
     <p:tnLst>
       <p:par>
-        <p:cTn id="1" dur="indefinite" restart="never" nodeType="tmRoot"/>
+        <p:cTn xmlns:p14="http://schemas.microsoft.com/office/powerpoint/2010/main" id="1" dur="indefinite" restart="never" nodeType="tmRoot"/>
       </p:par>
     </p:tnLst>
   </p:timing>
@@ -8223,14 +9617,14 @@
           </a:ln>
           <a:effectLst/>
           <a:extLst>
-            <a:ext uri="{909E8E84-426E-40DD-AFC4-6F175D3DCCD1}">
+            <a:ext uri="{909E8E84-426E-40dd-AFC4-6F175D3DCCD1}">
               <a14:hiddenFill xmlns:a14="http://schemas.microsoft.com/office/drawing/2010/main">
                 <a:solidFill>
                   <a:schemeClr val="accent1"/>
                 </a:solidFill>
               </a14:hiddenFill>
             </a:ext>
-            <a:ext uri="{91240B29-F687-4F45-9708-019B960494DF}">
+            <a:ext uri="{91240B29-F687-4f45-9708-019B960494DF}">
               <a14:hiddenLine xmlns:a14="http://schemas.microsoft.com/office/drawing/2010/main" w="9525">
                 <a:solidFill>
                   <a:schemeClr val="tx1"/>
@@ -8240,7 +9634,7 @@
                 <a:tailEnd/>
               </a14:hiddenLine>
             </a:ext>
-            <a:ext uri="{AF507438-7753-43E0-B8FC-AC1667EBCBE1}">
+            <a:ext uri="{AF507438-7753-43e0-B8FC-AC1667EBCBE1}">
               <a14:hiddenEffects xmlns:a14="http://schemas.microsoft.com/office/drawing/2010/main">
                 <a:effectLst>
                   <a:outerShdw dist="35921" dir="2700000" algn="ctr" rotWithShape="0">
@@ -8353,7 +9747,7 @@
         </p:nvSpPr>
         <p:spPr>
           <a:xfrm>
-            <a:off x="6456381" y="6248400"/>
+            <a:off x="6477000" y="5943600"/>
             <a:ext cx="2230419" cy="369332"/>
           </a:xfrm>
           <a:prstGeom prst="rect">
@@ -8375,6 +9769,29 @@
               <a:t>14)</a:t>
             </a:r>
             <a:endParaRPr lang="en-US" dirty="0"/>
+          </a:p>
+        </p:txBody>
+      </p:sp>
+      <p:sp>
+        <p:nvSpPr>
+          <p:cNvPr id="6" name="Slide Number Placeholder 5"/>
+          <p:cNvSpPr>
+            <a:spLocks noGrp="1"/>
+          </p:cNvSpPr>
+          <p:nvPr>
+            <p:ph type="sldNum" sz="quarter" idx="12"/>
+          </p:nvPr>
+        </p:nvSpPr>
+        <p:spPr/>
+        <p:txBody>
+          <a:bodyPr/>
+          <a:lstStyle/>
+          <a:p>
+            <a:fld id="{A8852445-E6DD-424C-957C-E3694D7E148C}" type="slidenum">
+              <a:rPr lang="en-US" smtClean="0"/>
+              <a:t>9</a:t>
+            </a:fld>
+            <a:endParaRPr lang="en-US"/>
           </a:p>
         </p:txBody>
       </p:sp>
@@ -8391,7 +9808,7 @@
   <p:timing>
     <p:tnLst>
       <p:par>
-        <p:cTn id="1" dur="indefinite" restart="never" nodeType="tmRoot">
+        <p:cTn xmlns:p14="http://schemas.microsoft.com/office/powerpoint/2010/main" id="1" dur="indefinite" restart="never" nodeType="tmRoot">
           <p:childTnLst>
             <p:seq concurrent="1" nextAc="seek">
               <p:cTn id="2" dur="indefinite" nodeType="mainSeq">
@@ -8756,4 +10173,644 @@
   <a:objectDefaults/>
   <a:extraClrSchemeLst/>
 </a:theme>
+</file>
+
+<file path=ppt/theme/theme2.xml><?xml version="1.0" encoding="utf-8"?>
+<a:theme xmlns:a="http://schemas.openxmlformats.org/drawingml/2006/main" name="Office Theme">
+  <a:themeElements>
+    <a:clrScheme name="Office">
+      <a:dk1>
+        <a:sysClr val="windowText" lastClr="000000"/>
+      </a:dk1>
+      <a:lt1>
+        <a:sysClr val="window" lastClr="FFFFFF"/>
+      </a:lt1>
+      <a:dk2>
+        <a:srgbClr val="1F497D"/>
+      </a:dk2>
+      <a:lt2>
+        <a:srgbClr val="EEECE1"/>
+      </a:lt2>
+      <a:accent1>
+        <a:srgbClr val="4F81BD"/>
+      </a:accent1>
+      <a:accent2>
+        <a:srgbClr val="C0504D"/>
+      </a:accent2>
+      <a:accent3>
+        <a:srgbClr val="9BBB59"/>
+      </a:accent3>
+      <a:accent4>
+        <a:srgbClr val="8064A2"/>
+      </a:accent4>
+      <a:accent5>
+        <a:srgbClr val="4BACC6"/>
+      </a:accent5>
+      <a:accent6>
+        <a:srgbClr val="F79646"/>
+      </a:accent6>
+      <a:hlink>
+        <a:srgbClr val="0000FF"/>
+      </a:hlink>
+      <a:folHlink>
+        <a:srgbClr val="800080"/>
+      </a:folHlink>
+    </a:clrScheme>
+    <a:fontScheme name="Office">
+      <a:majorFont>
+        <a:latin typeface="Calibri"/>
+        <a:ea typeface=""/>
+        <a:cs typeface=""/>
+        <a:font script="Jpan" typeface="ＭＳ Ｐゴシック"/>
+        <a:font script="Hang" typeface="맑은 고딕"/>
+        <a:font script="Hans" typeface="宋体"/>
+        <a:font script="Hant" typeface="新細明體"/>
+        <a:font script="Arab" typeface="Times New Roman"/>
+        <a:font script="Hebr" typeface="Times New Roman"/>
+        <a:font script="Thai" typeface="Angsana New"/>
+        <a:font script="Ethi" typeface="Nyala"/>
+        <a:font script="Beng" typeface="Vrinda"/>
+        <a:font script="Gujr" typeface="Shruti"/>
+        <a:font script="Khmr" typeface="MoolBoran"/>
+        <a:font script="Knda" typeface="Tunga"/>
+        <a:font script="Guru" typeface="Raavi"/>
+        <a:font script="Cans" typeface="Euphemia"/>
+        <a:font script="Cher" typeface="Plantagenet Cherokee"/>
+        <a:font script="Yiii" typeface="Microsoft Yi Baiti"/>
+        <a:font script="Tibt" typeface="Microsoft Himalaya"/>
+        <a:font script="Thaa" typeface="MV Boli"/>
+        <a:font script="Deva" typeface="Mangal"/>
+        <a:font script="Telu" typeface="Gautami"/>
+        <a:font script="Taml" typeface="Latha"/>
+        <a:font script="Syrc" typeface="Estrangelo Edessa"/>
+        <a:font script="Orya" typeface="Kalinga"/>
+        <a:font script="Mlym" typeface="Kartika"/>
+        <a:font script="Laoo" typeface="DokChampa"/>
+        <a:font script="Sinh" typeface="Iskoola Pota"/>
+        <a:font script="Mong" typeface="Mongolian Baiti"/>
+        <a:font script="Viet" typeface="Times New Roman"/>
+        <a:font script="Uigh" typeface="Microsoft Uighur"/>
+        <a:font script="Geor" typeface="Sylfaen"/>
+      </a:majorFont>
+      <a:minorFont>
+        <a:latin typeface="Calibri"/>
+        <a:ea typeface=""/>
+        <a:cs typeface=""/>
+        <a:font script="Jpan" typeface="ＭＳ Ｐゴシック"/>
+        <a:font script="Hang" typeface="맑은 고딕"/>
+        <a:font script="Hans" typeface="宋体"/>
+        <a:font script="Hant" typeface="新細明體"/>
+        <a:font script="Arab" typeface="Arial"/>
+        <a:font script="Hebr" typeface="Arial"/>
+        <a:font script="Thai" typeface="Cordia New"/>
+        <a:font script="Ethi" typeface="Nyala"/>
+        <a:font script="Beng" typeface="Vrinda"/>
+        <a:font script="Gujr" typeface="Shruti"/>
+        <a:font script="Khmr" typeface="DaunPenh"/>
+        <a:font script="Knda" typeface="Tunga"/>
+        <a:font script="Guru" typeface="Raavi"/>
+        <a:font script="Cans" typeface="Euphemia"/>
+        <a:font script="Cher" typeface="Plantagenet Cherokee"/>
+        <a:font script="Yiii" typeface="Microsoft Yi Baiti"/>
+        <a:font script="Tibt" typeface="Microsoft Himalaya"/>
+        <a:font script="Thaa" typeface="MV Boli"/>
+        <a:font script="Deva" typeface="Mangal"/>
+        <a:font script="Telu" typeface="Gautami"/>
+        <a:font script="Taml" typeface="Latha"/>
+        <a:font script="Syrc" typeface="Estrangelo Edessa"/>
+        <a:font script="Orya" typeface="Kalinga"/>
+        <a:font script="Mlym" typeface="Kartika"/>
+        <a:font script="Laoo" typeface="DokChampa"/>
+        <a:font script="Sinh" typeface="Iskoola Pota"/>
+        <a:font script="Mong" typeface="Mongolian Baiti"/>
+        <a:font script="Viet" typeface="Arial"/>
+        <a:font script="Uigh" typeface="Microsoft Uighur"/>
+        <a:font script="Geor" typeface="Sylfaen"/>
+      </a:minorFont>
+    </a:fontScheme>
+    <a:fmtScheme name="Office">
+      <a:fillStyleLst>
+        <a:solidFill>
+          <a:schemeClr val="phClr"/>
+        </a:solidFill>
+        <a:gradFill rotWithShape="1">
+          <a:gsLst>
+            <a:gs pos="0">
+              <a:schemeClr val="phClr">
+                <a:tint val="50000"/>
+                <a:satMod val="300000"/>
+              </a:schemeClr>
+            </a:gs>
+            <a:gs pos="35000">
+              <a:schemeClr val="phClr">
+                <a:tint val="37000"/>
+                <a:satMod val="300000"/>
+              </a:schemeClr>
+            </a:gs>
+            <a:gs pos="100000">
+              <a:schemeClr val="phClr">
+                <a:tint val="15000"/>
+                <a:satMod val="350000"/>
+              </a:schemeClr>
+            </a:gs>
+          </a:gsLst>
+          <a:lin ang="16200000" scaled="1"/>
+        </a:gradFill>
+        <a:gradFill rotWithShape="1">
+          <a:gsLst>
+            <a:gs pos="0">
+              <a:schemeClr val="phClr">
+                <a:tint val="100000"/>
+                <a:shade val="100000"/>
+                <a:satMod val="130000"/>
+              </a:schemeClr>
+            </a:gs>
+            <a:gs pos="100000">
+              <a:schemeClr val="phClr">
+                <a:tint val="50000"/>
+                <a:shade val="100000"/>
+                <a:satMod val="350000"/>
+              </a:schemeClr>
+            </a:gs>
+          </a:gsLst>
+          <a:lin ang="16200000" scaled="0"/>
+        </a:gradFill>
+      </a:fillStyleLst>
+      <a:lnStyleLst>
+        <a:ln w="9525" cap="flat" cmpd="sng" algn="ctr">
+          <a:solidFill>
+            <a:schemeClr val="phClr">
+              <a:shade val="95000"/>
+              <a:satMod val="105000"/>
+            </a:schemeClr>
+          </a:solidFill>
+          <a:prstDash val="solid"/>
+        </a:ln>
+        <a:ln w="25400" cap="flat" cmpd="sng" algn="ctr">
+          <a:solidFill>
+            <a:schemeClr val="phClr"/>
+          </a:solidFill>
+          <a:prstDash val="solid"/>
+        </a:ln>
+        <a:ln w="38100" cap="flat" cmpd="sng" algn="ctr">
+          <a:solidFill>
+            <a:schemeClr val="phClr"/>
+          </a:solidFill>
+          <a:prstDash val="solid"/>
+        </a:ln>
+      </a:lnStyleLst>
+      <a:effectStyleLst>
+        <a:effectStyle>
+          <a:effectLst>
+            <a:outerShdw blurRad="40000" dist="20000" dir="5400000" rotWithShape="0">
+              <a:srgbClr val="000000">
+                <a:alpha val="38000"/>
+              </a:srgbClr>
+            </a:outerShdw>
+          </a:effectLst>
+        </a:effectStyle>
+        <a:effectStyle>
+          <a:effectLst>
+            <a:outerShdw blurRad="40000" dist="23000" dir="5400000" rotWithShape="0">
+              <a:srgbClr val="000000">
+                <a:alpha val="35000"/>
+              </a:srgbClr>
+            </a:outerShdw>
+          </a:effectLst>
+        </a:effectStyle>
+        <a:effectStyle>
+          <a:effectLst>
+            <a:outerShdw blurRad="40000" dist="23000" dir="5400000" rotWithShape="0">
+              <a:srgbClr val="000000">
+                <a:alpha val="35000"/>
+              </a:srgbClr>
+            </a:outerShdw>
+          </a:effectLst>
+          <a:scene3d>
+            <a:camera prst="orthographicFront">
+              <a:rot lat="0" lon="0" rev="0"/>
+            </a:camera>
+            <a:lightRig rig="threePt" dir="t">
+              <a:rot lat="0" lon="0" rev="1200000"/>
+            </a:lightRig>
+          </a:scene3d>
+          <a:sp3d>
+            <a:bevelT w="63500" h="25400"/>
+          </a:sp3d>
+        </a:effectStyle>
+      </a:effectStyleLst>
+      <a:bgFillStyleLst>
+        <a:solidFill>
+          <a:schemeClr val="phClr"/>
+        </a:solidFill>
+        <a:gradFill rotWithShape="1">
+          <a:gsLst>
+            <a:gs pos="0">
+              <a:schemeClr val="phClr">
+                <a:tint val="40000"/>
+                <a:satMod val="350000"/>
+              </a:schemeClr>
+            </a:gs>
+            <a:gs pos="40000">
+              <a:schemeClr val="phClr">
+                <a:tint val="45000"/>
+                <a:shade val="99000"/>
+                <a:satMod val="350000"/>
+              </a:schemeClr>
+            </a:gs>
+            <a:gs pos="100000">
+              <a:schemeClr val="phClr">
+                <a:shade val="20000"/>
+                <a:satMod val="255000"/>
+              </a:schemeClr>
+            </a:gs>
+          </a:gsLst>
+          <a:path path="circle">
+            <a:fillToRect l="50000" t="-80000" r="50000" b="180000"/>
+          </a:path>
+        </a:gradFill>
+        <a:gradFill rotWithShape="1">
+          <a:gsLst>
+            <a:gs pos="0">
+              <a:schemeClr val="phClr">
+                <a:tint val="80000"/>
+                <a:satMod val="300000"/>
+              </a:schemeClr>
+            </a:gs>
+            <a:gs pos="100000">
+              <a:schemeClr val="phClr">
+                <a:shade val="30000"/>
+                <a:satMod val="200000"/>
+              </a:schemeClr>
+            </a:gs>
+          </a:gsLst>
+          <a:path path="circle">
+            <a:fillToRect l="50000" t="50000" r="50000" b="50000"/>
+          </a:path>
+        </a:gradFill>
+      </a:bgFillStyleLst>
+    </a:fmtScheme>
+  </a:themeElements>
+  <a:objectDefaults>
+    <a:spDef>
+      <a:spPr/>
+      <a:bodyPr/>
+      <a:lstStyle/>
+      <a:style>
+        <a:lnRef idx="1">
+          <a:schemeClr val="accent1"/>
+        </a:lnRef>
+        <a:fillRef idx="3">
+          <a:schemeClr val="accent1"/>
+        </a:fillRef>
+        <a:effectRef idx="2">
+          <a:schemeClr val="accent1"/>
+        </a:effectRef>
+        <a:fontRef idx="minor">
+          <a:schemeClr val="lt1"/>
+        </a:fontRef>
+      </a:style>
+    </a:spDef>
+    <a:lnDef>
+      <a:spPr/>
+      <a:bodyPr/>
+      <a:lstStyle/>
+      <a:style>
+        <a:lnRef idx="2">
+          <a:schemeClr val="accent1"/>
+        </a:lnRef>
+        <a:fillRef idx="0">
+          <a:schemeClr val="accent1"/>
+        </a:fillRef>
+        <a:effectRef idx="1">
+          <a:schemeClr val="accent1"/>
+        </a:effectRef>
+        <a:fontRef idx="minor">
+          <a:schemeClr val="tx1"/>
+        </a:fontRef>
+      </a:style>
+    </a:lnDef>
+  </a:objectDefaults>
+  <a:extraClrSchemeLst/>
+</a:theme>
+</file>
+
+<file path=ppt/theme/theme3.xml><?xml version="1.0" encoding="utf-8"?>
+<a:theme xmlns:a="http://schemas.openxmlformats.org/drawingml/2006/main" name="Office Theme">
+  <a:themeElements>
+    <a:clrScheme name="Office">
+      <a:dk1>
+        <a:sysClr val="windowText" lastClr="000000"/>
+      </a:dk1>
+      <a:lt1>
+        <a:sysClr val="window" lastClr="FFFFFF"/>
+      </a:lt1>
+      <a:dk2>
+        <a:srgbClr val="1F497D"/>
+      </a:dk2>
+      <a:lt2>
+        <a:srgbClr val="EEECE1"/>
+      </a:lt2>
+      <a:accent1>
+        <a:srgbClr val="4F81BD"/>
+      </a:accent1>
+      <a:accent2>
+        <a:srgbClr val="C0504D"/>
+      </a:accent2>
+      <a:accent3>
+        <a:srgbClr val="9BBB59"/>
+      </a:accent3>
+      <a:accent4>
+        <a:srgbClr val="8064A2"/>
+      </a:accent4>
+      <a:accent5>
+        <a:srgbClr val="4BACC6"/>
+      </a:accent5>
+      <a:accent6>
+        <a:srgbClr val="F79646"/>
+      </a:accent6>
+      <a:hlink>
+        <a:srgbClr val="0000FF"/>
+      </a:hlink>
+      <a:folHlink>
+        <a:srgbClr val="800080"/>
+      </a:folHlink>
+    </a:clrScheme>
+    <a:fontScheme name="Office">
+      <a:majorFont>
+        <a:latin typeface="Calibri"/>
+        <a:ea typeface=""/>
+        <a:cs typeface=""/>
+        <a:font script="Jpan" typeface="ＭＳ Ｐゴシック"/>
+        <a:font script="Hang" typeface="맑은 고딕"/>
+        <a:font script="Hans" typeface="宋体"/>
+        <a:font script="Hant" typeface="新細明體"/>
+        <a:font script="Arab" typeface="Times New Roman"/>
+        <a:font script="Hebr" typeface="Times New Roman"/>
+        <a:font script="Thai" typeface="Angsana New"/>
+        <a:font script="Ethi" typeface="Nyala"/>
+        <a:font script="Beng" typeface="Vrinda"/>
+        <a:font script="Gujr" typeface="Shruti"/>
+        <a:font script="Khmr" typeface="MoolBoran"/>
+        <a:font script="Knda" typeface="Tunga"/>
+        <a:font script="Guru" typeface="Raavi"/>
+        <a:font script="Cans" typeface="Euphemia"/>
+        <a:font script="Cher" typeface="Plantagenet Cherokee"/>
+        <a:font script="Yiii" typeface="Microsoft Yi Baiti"/>
+        <a:font script="Tibt" typeface="Microsoft Himalaya"/>
+        <a:font script="Thaa" typeface="MV Boli"/>
+        <a:font script="Deva" typeface="Mangal"/>
+        <a:font script="Telu" typeface="Gautami"/>
+        <a:font script="Taml" typeface="Latha"/>
+        <a:font script="Syrc" typeface="Estrangelo Edessa"/>
+        <a:font script="Orya" typeface="Kalinga"/>
+        <a:font script="Mlym" typeface="Kartika"/>
+        <a:font script="Laoo" typeface="DokChampa"/>
+        <a:font script="Sinh" typeface="Iskoola Pota"/>
+        <a:font script="Mong" typeface="Mongolian Baiti"/>
+        <a:font script="Viet" typeface="Times New Roman"/>
+        <a:font script="Uigh" typeface="Microsoft Uighur"/>
+        <a:font script="Geor" typeface="Sylfaen"/>
+      </a:majorFont>
+      <a:minorFont>
+        <a:latin typeface="Calibri"/>
+        <a:ea typeface=""/>
+        <a:cs typeface=""/>
+        <a:font script="Jpan" typeface="ＭＳ Ｐゴシック"/>
+        <a:font script="Hang" typeface="맑은 고딕"/>
+        <a:font script="Hans" typeface="宋体"/>
+        <a:font script="Hant" typeface="新細明體"/>
+        <a:font script="Arab" typeface="Arial"/>
+        <a:font script="Hebr" typeface="Arial"/>
+        <a:font script="Thai" typeface="Cordia New"/>
+        <a:font script="Ethi" typeface="Nyala"/>
+        <a:font script="Beng" typeface="Vrinda"/>
+        <a:font script="Gujr" typeface="Shruti"/>
+        <a:font script="Khmr" typeface="DaunPenh"/>
+        <a:font script="Knda" typeface="Tunga"/>
+        <a:font script="Guru" typeface="Raavi"/>
+        <a:font script="Cans" typeface="Euphemia"/>
+        <a:font script="Cher" typeface="Plantagenet Cherokee"/>
+        <a:font script="Yiii" typeface="Microsoft Yi Baiti"/>
+        <a:font script="Tibt" typeface="Microsoft Himalaya"/>
+        <a:font script="Thaa" typeface="MV Boli"/>
+        <a:font script="Deva" typeface="Mangal"/>
+        <a:font script="Telu" typeface="Gautami"/>
+        <a:font script="Taml" typeface="Latha"/>
+        <a:font script="Syrc" typeface="Estrangelo Edessa"/>
+        <a:font script="Orya" typeface="Kalinga"/>
+        <a:font script="Mlym" typeface="Kartika"/>
+        <a:font script="Laoo" typeface="DokChampa"/>
+        <a:font script="Sinh" typeface="Iskoola Pota"/>
+        <a:font script="Mong" typeface="Mongolian Baiti"/>
+        <a:font script="Viet" typeface="Arial"/>
+        <a:font script="Uigh" typeface="Microsoft Uighur"/>
+        <a:font script="Geor" typeface="Sylfaen"/>
+      </a:minorFont>
+    </a:fontScheme>
+    <a:fmtScheme name="Office">
+      <a:fillStyleLst>
+        <a:solidFill>
+          <a:schemeClr val="phClr"/>
+        </a:solidFill>
+        <a:gradFill rotWithShape="1">
+          <a:gsLst>
+            <a:gs pos="0">
+              <a:schemeClr val="phClr">
+                <a:tint val="50000"/>
+                <a:satMod val="300000"/>
+              </a:schemeClr>
+            </a:gs>
+            <a:gs pos="35000">
+              <a:schemeClr val="phClr">
+                <a:tint val="37000"/>
+                <a:satMod val="300000"/>
+              </a:schemeClr>
+            </a:gs>
+            <a:gs pos="100000">
+              <a:schemeClr val="phClr">
+                <a:tint val="15000"/>
+                <a:satMod val="350000"/>
+              </a:schemeClr>
+            </a:gs>
+          </a:gsLst>
+          <a:lin ang="16200000" scaled="1"/>
+        </a:gradFill>
+        <a:gradFill rotWithShape="1">
+          <a:gsLst>
+            <a:gs pos="0">
+              <a:schemeClr val="phClr">
+                <a:tint val="100000"/>
+                <a:shade val="100000"/>
+                <a:satMod val="130000"/>
+              </a:schemeClr>
+            </a:gs>
+            <a:gs pos="100000">
+              <a:schemeClr val="phClr">
+                <a:tint val="50000"/>
+                <a:shade val="100000"/>
+                <a:satMod val="350000"/>
+              </a:schemeClr>
+            </a:gs>
+          </a:gsLst>
+          <a:lin ang="16200000" scaled="0"/>
+        </a:gradFill>
+      </a:fillStyleLst>
+      <a:lnStyleLst>
+        <a:ln w="9525" cap="flat" cmpd="sng" algn="ctr">
+          <a:solidFill>
+            <a:schemeClr val="phClr">
+              <a:shade val="95000"/>
+              <a:satMod val="105000"/>
+            </a:schemeClr>
+          </a:solidFill>
+          <a:prstDash val="solid"/>
+        </a:ln>
+        <a:ln w="25400" cap="flat" cmpd="sng" algn="ctr">
+          <a:solidFill>
+            <a:schemeClr val="phClr"/>
+          </a:solidFill>
+          <a:prstDash val="solid"/>
+        </a:ln>
+        <a:ln w="38100" cap="flat" cmpd="sng" algn="ctr">
+          <a:solidFill>
+            <a:schemeClr val="phClr"/>
+          </a:solidFill>
+          <a:prstDash val="solid"/>
+        </a:ln>
+      </a:lnStyleLst>
+      <a:effectStyleLst>
+        <a:effectStyle>
+          <a:effectLst>
+            <a:outerShdw blurRad="40000" dist="20000" dir="5400000" rotWithShape="0">
+              <a:srgbClr val="000000">
+                <a:alpha val="38000"/>
+              </a:srgbClr>
+            </a:outerShdw>
+          </a:effectLst>
+        </a:effectStyle>
+        <a:effectStyle>
+          <a:effectLst>
+            <a:outerShdw blurRad="40000" dist="23000" dir="5400000" rotWithShape="0">
+              <a:srgbClr val="000000">
+                <a:alpha val="35000"/>
+              </a:srgbClr>
+            </a:outerShdw>
+          </a:effectLst>
+        </a:effectStyle>
+        <a:effectStyle>
+          <a:effectLst>
+            <a:outerShdw blurRad="40000" dist="23000" dir="5400000" rotWithShape="0">
+              <a:srgbClr val="000000">
+                <a:alpha val="35000"/>
+              </a:srgbClr>
+            </a:outerShdw>
+          </a:effectLst>
+          <a:scene3d>
+            <a:camera prst="orthographicFront">
+              <a:rot lat="0" lon="0" rev="0"/>
+            </a:camera>
+            <a:lightRig rig="threePt" dir="t">
+              <a:rot lat="0" lon="0" rev="1200000"/>
+            </a:lightRig>
+          </a:scene3d>
+          <a:sp3d>
+            <a:bevelT w="63500" h="25400"/>
+          </a:sp3d>
+        </a:effectStyle>
+      </a:effectStyleLst>
+      <a:bgFillStyleLst>
+        <a:solidFill>
+          <a:schemeClr val="phClr"/>
+        </a:solidFill>
+        <a:gradFill rotWithShape="1">
+          <a:gsLst>
+            <a:gs pos="0">
+              <a:schemeClr val="phClr">
+                <a:tint val="40000"/>
+                <a:satMod val="350000"/>
+              </a:schemeClr>
+            </a:gs>
+            <a:gs pos="40000">
+              <a:schemeClr val="phClr">
+                <a:tint val="45000"/>
+                <a:shade val="99000"/>
+                <a:satMod val="350000"/>
+              </a:schemeClr>
+            </a:gs>
+            <a:gs pos="100000">
+              <a:schemeClr val="phClr">
+                <a:shade val="20000"/>
+                <a:satMod val="255000"/>
+              </a:schemeClr>
+            </a:gs>
+          </a:gsLst>
+          <a:path path="circle">
+            <a:fillToRect l="50000" t="-80000" r="50000" b="180000"/>
+          </a:path>
+        </a:gradFill>
+        <a:gradFill rotWithShape="1">
+          <a:gsLst>
+            <a:gs pos="0">
+              <a:schemeClr val="phClr">
+                <a:tint val="80000"/>
+                <a:satMod val="300000"/>
+              </a:schemeClr>
+            </a:gs>
+            <a:gs pos="100000">
+              <a:schemeClr val="phClr">
+                <a:shade val="30000"/>
+                <a:satMod val="200000"/>
+              </a:schemeClr>
+            </a:gs>
+          </a:gsLst>
+          <a:path path="circle">
+            <a:fillToRect l="50000" t="50000" r="50000" b="50000"/>
+          </a:path>
+        </a:gradFill>
+      </a:bgFillStyleLst>
+    </a:fmtScheme>
+  </a:themeElements>
+  <a:objectDefaults>
+    <a:spDef>
+      <a:spPr/>
+      <a:bodyPr/>
+      <a:lstStyle/>
+      <a:style>
+        <a:lnRef idx="1">
+          <a:schemeClr val="accent1"/>
+        </a:lnRef>
+        <a:fillRef idx="3">
+          <a:schemeClr val="accent1"/>
+        </a:fillRef>
+        <a:effectRef idx="2">
+          <a:schemeClr val="accent1"/>
+        </a:effectRef>
+        <a:fontRef idx="minor">
+          <a:schemeClr val="lt1"/>
+        </a:fontRef>
+      </a:style>
+    </a:spDef>
+    <a:lnDef>
+      <a:spPr/>
+      <a:bodyPr/>
+      <a:lstStyle/>
+      <a:style>
+        <a:lnRef idx="2">
+          <a:schemeClr val="accent1"/>
+        </a:lnRef>
+        <a:fillRef idx="0">
+          <a:schemeClr val="accent1"/>
+        </a:fillRef>
+        <a:effectRef idx="1">
+          <a:schemeClr val="accent1"/>
+        </a:effectRef>
+        <a:fontRef idx="minor">
+          <a:schemeClr val="tx1"/>
+        </a:fontRef>
+      </a:style>
+    </a:lnDef>
+  </a:objectDefaults>
+  <a:extraClrSchemeLst/>
+</a:theme>
 </file>
--- a/RWorkshopPart3-RegressionAndGraphics.pptx
+++ b/RWorkshopPart3-RegressionAndGraphics.pptx
@@ -3705,13 +3705,8 @@
           <a:p>
             <a:r>
               <a:rPr lang="en-US" dirty="0" smtClean="0"/>
-              <a:t>SER </a:t>
-            </a:r>
-            <a:r>
-              <a:rPr lang="en-US" dirty="0" smtClean="0"/>
-              <a:t>2018</a:t>
-            </a:r>
-            <a:endParaRPr lang="en-US" dirty="0" smtClean="0"/>
+              <a:t>SER 2018</a:t>
+            </a:r>
           </a:p>
           <a:p>
             <a:endParaRPr lang="en-US" dirty="0"/>
@@ -3741,6 +3736,114 @@
           </a:p>
         </p:txBody>
       </p:sp>
+      <p:pic>
+        <p:nvPicPr>
+          <p:cNvPr id="5" name="Picture 2"/>
+          <p:cNvPicPr>
+            <a:picLocks noChangeAspect="1" noChangeArrowheads="1"/>
+          </p:cNvPicPr>
+          <p:nvPr/>
+        </p:nvPicPr>
+        <p:blipFill>
+          <a:blip r:embed="rId2">
+            <a:extLst>
+              <a:ext uri="{28A0092B-C50C-407E-A947-70E740481C1C}">
+                <a14:useLocalDpi xmlns:a14="http://schemas.microsoft.com/office/drawing/2010/main" val="0"/>
+              </a:ext>
+            </a:extLst>
+          </a:blip>
+          <a:srcRect/>
+          <a:stretch>
+            <a:fillRect/>
+          </a:stretch>
+        </p:blipFill>
+        <p:spPr bwMode="auto">
+          <a:xfrm>
+            <a:off x="685800" y="381000"/>
+            <a:ext cx="2066925" cy="752475"/>
+          </a:xfrm>
+          <a:prstGeom prst="rect">
+            <a:avLst/>
+          </a:prstGeom>
+          <a:noFill/>
+          <a:ln>
+            <a:noFill/>
+          </a:ln>
+          <a:extLst>
+            <a:ext uri="{909E8E84-426E-40dd-AFC4-6F175D3DCCD1}">
+              <a14:hiddenFill xmlns:a14="http://schemas.microsoft.com/office/drawing/2010/main">
+                <a:solidFill>
+                  <a:schemeClr val="accent1"/>
+                </a:solidFill>
+              </a14:hiddenFill>
+            </a:ext>
+            <a:ext uri="{91240B29-F687-4f45-9708-019B960494DF}">
+              <a14:hiddenLine xmlns:a14="http://schemas.microsoft.com/office/drawing/2010/main" w="9525">
+                <a:solidFill>
+                  <a:schemeClr val="tx1"/>
+                </a:solidFill>
+                <a:miter lim="800000"/>
+                <a:headEnd/>
+                <a:tailEnd/>
+              </a14:hiddenLine>
+            </a:ext>
+          </a:extLst>
+        </p:spPr>
+      </p:pic>
+      <p:pic>
+        <p:nvPicPr>
+          <p:cNvPr id="6" name="Picture 5"/>
+          <p:cNvPicPr>
+            <a:picLocks noChangeAspect="1" noChangeArrowheads="1"/>
+          </p:cNvPicPr>
+          <p:nvPr/>
+        </p:nvPicPr>
+        <p:blipFill>
+          <a:blip r:embed="rId3">
+            <a:extLst>
+              <a:ext uri="{28A0092B-C50C-407E-A947-70E740481C1C}">
+                <a14:useLocalDpi xmlns:a14="http://schemas.microsoft.com/office/drawing/2010/main" val="0"/>
+              </a:ext>
+            </a:extLst>
+          </a:blip>
+          <a:srcRect/>
+          <a:stretch>
+            <a:fillRect/>
+          </a:stretch>
+        </p:blipFill>
+        <p:spPr bwMode="auto">
+          <a:xfrm>
+            <a:off x="6096000" y="228599"/>
+            <a:ext cx="2781300" cy="1057275"/>
+          </a:xfrm>
+          <a:prstGeom prst="rect">
+            <a:avLst/>
+          </a:prstGeom>
+          <a:noFill/>
+          <a:ln>
+            <a:noFill/>
+          </a:ln>
+          <a:extLst>
+            <a:ext uri="{909E8E84-426E-40dd-AFC4-6F175D3DCCD1}">
+              <a14:hiddenFill xmlns:a14="http://schemas.microsoft.com/office/drawing/2010/main">
+                <a:solidFill>
+                  <a:schemeClr val="accent1"/>
+                </a:solidFill>
+              </a14:hiddenFill>
+            </a:ext>
+            <a:ext uri="{91240B29-F687-4f45-9708-019B960494DF}">
+              <a14:hiddenLine xmlns:a14="http://schemas.microsoft.com/office/drawing/2010/main" w="9525">
+                <a:solidFill>
+                  <a:schemeClr val="tx1"/>
+                </a:solidFill>
+                <a:miter lim="800000"/>
+                <a:headEnd/>
+                <a:tailEnd/>
+              </a14:hiddenLine>
+            </a:ext>
+          </a:extLst>
+        </p:spPr>
+      </p:pic>
     </p:spTree>
     <p:extLst>
       <p:ext uri="{BB962C8B-B14F-4D97-AF65-F5344CB8AC3E}">
@@ -6471,15 +6574,7 @@
           <a:p>
             <a:r>
               <a:rPr lang="en-US" dirty="0" smtClean="0"/>
-              <a:t>(Bonus </a:t>
-            </a:r>
-            <a:r>
-              <a:rPr lang="en-US" dirty="0" smtClean="0"/>
-              <a:t>self-test</a:t>
-            </a:r>
-            <a:r>
-              <a:rPr lang="en-US" dirty="0" smtClean="0"/>
-              <a:t>: #15) </a:t>
+              <a:t>(Bonus self-test: #15) </a:t>
             </a:r>
             <a:endParaRPr lang="en-US" dirty="0"/>
           </a:p>
@@ -7660,15 +7755,7 @@
           <a:p>
             <a:r>
               <a:rPr lang="en-US" dirty="0" smtClean="0"/>
-              <a:t>(Bonus </a:t>
-            </a:r>
-            <a:r>
-              <a:rPr lang="en-US" dirty="0" smtClean="0"/>
-              <a:t>self-test: graphics self-</a:t>
-            </a:r>
-            <a:r>
-              <a:rPr lang="en-US" dirty="0" smtClean="0"/>
-              <a:t>test)</a:t>
+              <a:t>(Bonus self-test: graphics self-test)</a:t>
             </a:r>
             <a:endParaRPr lang="en-US" dirty="0"/>
           </a:p>
@@ -8910,7 +8997,7 @@
                   <a:buNone/>
                 </a:pPr>
                 <a14:m>
-                  <m:oMathPara xmlns:m="http://schemas.openxmlformats.org/officeDocument/2006/math" xmlns="">
+                  <m:oMathPara xmlns="" xmlns:m="http://schemas.openxmlformats.org/officeDocument/2006/math">
                     <m:oMathParaPr>
                       <m:jc m:val="centerGroup"/>
                     </m:oMathParaPr>
